--- a/ProjectDataStrc.pptx
+++ b/ProjectDataStrc.pptx
@@ -6690,10 +6690,10 @@
       </p:sp>
       <p:pic>
         <p:nvPicPr>
-          <p:cNvPr id="6" name="Picture 5">
+          <p:cNvPr id="3" name="Picture 2">
             <a:extLst>
               <a:ext uri="{FF2B5EF4-FFF2-40B4-BE49-F238E27FC236}">
-                <a16:creationId xmlns:a16="http://schemas.microsoft.com/office/drawing/2014/main" id="{D2D992A8-9FF4-4998-8E82-6EC15CCC7C8E}"/>
+                <a16:creationId xmlns:a16="http://schemas.microsoft.com/office/drawing/2014/main" id="{B9C51559-6FEF-41D1-8E08-9EAC36E77614}"/>
               </a:ext>
             </a:extLst>
           </p:cNvPr>
@@ -6710,64 +6710,14 @@
         </p:blipFill>
         <p:spPr>
           <a:xfrm>
-            <a:off x="169605" y="275962"/>
-            <a:ext cx="8841658" cy="2830051"/>
+            <a:off x="2414412" y="0"/>
+            <a:ext cx="4315175" cy="5143500"/>
           </a:xfrm>
           <a:prstGeom prst="rect">
             <a:avLst/>
           </a:prstGeom>
         </p:spPr>
       </p:pic>
-      <p:sp>
-        <p:nvSpPr>
-          <p:cNvPr id="7" name="TextBox 6">
-            <a:extLst>
-              <a:ext uri="{FF2B5EF4-FFF2-40B4-BE49-F238E27FC236}">
-                <a16:creationId xmlns:a16="http://schemas.microsoft.com/office/drawing/2014/main" id="{F98C4DC1-3F34-460E-A09F-5FF3C80A081D}"/>
-              </a:ext>
-            </a:extLst>
-          </p:cNvPr>
-          <p:cNvSpPr txBox="1"/>
-          <p:nvPr/>
-        </p:nvSpPr>
-        <p:spPr>
-          <a:xfrm>
-            <a:off x="1406932" y="3287143"/>
-            <a:ext cx="5362578" cy="276999"/>
-          </a:xfrm>
-          <a:prstGeom prst="rect">
-            <a:avLst/>
-          </a:prstGeom>
-          <a:noFill/>
-        </p:spPr>
-        <p:txBody>
-          <a:bodyPr wrap="square">
-            <a:spAutoFit/>
-          </a:bodyPr>
-          <a:lstStyle/>
-          <a:p>
-            <a:pPr marL="0" lvl="0" indent="0" algn="l" rtl="0">
-              <a:spcBef>
-                <a:spcPts val="600"/>
-              </a:spcBef>
-              <a:spcAft>
-                <a:spcPts val="0"/>
-              </a:spcAft>
-              <a:buNone/>
-            </a:pPr>
-            <a:r>
-              <a:rPr lang="en-US" sz="1200" i="1" dirty="0">
-                <a:solidFill>
-                  <a:schemeClr val="bg1"/>
-                </a:solidFill>
-                <a:latin typeface="Calibri" panose="020F0502020204030204" pitchFamily="34" charset="0"/>
-                <a:cs typeface="Calibri" panose="020F0502020204030204" pitchFamily="34" charset="0"/>
-              </a:rPr>
-              <a:t>The app asks user to select one of the options</a:t>
-            </a:r>
-          </a:p>
-        </p:txBody>
-      </p:sp>
     </p:spTree>
     <p:extLst>
       <p:ext uri="{BB962C8B-B14F-4D97-AF65-F5344CB8AC3E}">
@@ -6838,10 +6788,10 @@
       </p:sp>
       <p:pic>
         <p:nvPicPr>
-          <p:cNvPr id="7" name="Picture 6">
+          <p:cNvPr id="3" name="Picture 2">
             <a:extLst>
               <a:ext uri="{FF2B5EF4-FFF2-40B4-BE49-F238E27FC236}">
-                <a16:creationId xmlns:a16="http://schemas.microsoft.com/office/drawing/2014/main" id="{CEF2022A-0F86-4841-B7CD-0233D5D7F218}"/>
+                <a16:creationId xmlns:a16="http://schemas.microsoft.com/office/drawing/2014/main" id="{ADEF7ABD-5C29-4260-8127-737ABA6D66A2}"/>
               </a:ext>
             </a:extLst>
           </p:cNvPr>
@@ -6858,103 +6808,14 @@
         </p:blipFill>
         <p:spPr>
           <a:xfrm>
-            <a:off x="64769" y="357251"/>
-            <a:ext cx="6402399" cy="4461246"/>
+            <a:off x="2750344" y="0"/>
+            <a:ext cx="3643312" cy="5143500"/>
           </a:xfrm>
           <a:prstGeom prst="rect">
             <a:avLst/>
           </a:prstGeom>
         </p:spPr>
       </p:pic>
-      <p:sp>
-        <p:nvSpPr>
-          <p:cNvPr id="8" name="TextBox 7">
-            <a:extLst>
-              <a:ext uri="{FF2B5EF4-FFF2-40B4-BE49-F238E27FC236}">
-                <a16:creationId xmlns:a16="http://schemas.microsoft.com/office/drawing/2014/main" id="{629197F4-638F-4234-8FCB-3DF400576B5B}"/>
-              </a:ext>
-            </a:extLst>
-          </p:cNvPr>
-          <p:cNvSpPr txBox="1"/>
-          <p:nvPr/>
-        </p:nvSpPr>
-        <p:spPr>
-          <a:xfrm>
-            <a:off x="6650112" y="440704"/>
-            <a:ext cx="2421745" cy="1169551"/>
-          </a:xfrm>
-          <a:prstGeom prst="rect">
-            <a:avLst/>
-          </a:prstGeom>
-          <a:noFill/>
-        </p:spPr>
-        <p:txBody>
-          <a:bodyPr wrap="square">
-            <a:spAutoFit/>
-          </a:bodyPr>
-          <a:lstStyle/>
-          <a:p>
-            <a:pPr marL="0" lvl="0" indent="0" algn="l" rtl="0">
-              <a:spcBef>
-                <a:spcPts val="600"/>
-              </a:spcBef>
-              <a:spcAft>
-                <a:spcPts val="0"/>
-              </a:spcAft>
-              <a:buNone/>
-            </a:pPr>
-            <a:r>
-              <a:rPr lang="en-US" sz="1200" i="1" dirty="0">
-                <a:solidFill>
-                  <a:schemeClr val="bg1"/>
-                </a:solidFill>
-                <a:latin typeface="Calibri" panose="020F0502020204030204" pitchFamily="34" charset="0"/>
-                <a:cs typeface="Calibri" panose="020F0502020204030204" pitchFamily="34" charset="0"/>
-              </a:rPr>
-              <a:t>If user selects 4 , the Average Calculation System will be executed.</a:t>
-            </a:r>
-          </a:p>
-          <a:p>
-            <a:pPr marL="0" lvl="0" indent="0" algn="l" rtl="0">
-              <a:spcBef>
-                <a:spcPts val="600"/>
-              </a:spcBef>
-              <a:spcAft>
-                <a:spcPts val="0"/>
-              </a:spcAft>
-              <a:buNone/>
-            </a:pPr>
-            <a:endParaRPr lang="en-US" sz="1200" i="1" dirty="0">
-              <a:solidFill>
-                <a:schemeClr val="bg1"/>
-              </a:solidFill>
-              <a:latin typeface="Calibri" panose="020F0502020204030204" pitchFamily="34" charset="0"/>
-              <a:cs typeface="Calibri" panose="020F0502020204030204" pitchFamily="34" charset="0"/>
-            </a:endParaRPr>
-          </a:p>
-          <a:p>
-            <a:pPr marL="0" lvl="0" indent="0" algn="l" rtl="0">
-              <a:spcBef>
-                <a:spcPts val="600"/>
-              </a:spcBef>
-              <a:spcAft>
-                <a:spcPts val="0"/>
-              </a:spcAft>
-              <a:buNone/>
-            </a:pPr>
-            <a:r>
-              <a:rPr lang="en-US" sz="1200" i="1" dirty="0">
-                <a:solidFill>
-                  <a:schemeClr val="bg1"/>
-                </a:solidFill>
-                <a:latin typeface="Calibri" panose="020F0502020204030204" pitchFamily="34" charset="0"/>
-                <a:cs typeface="Calibri" panose="020F0502020204030204" pitchFamily="34" charset="0"/>
-              </a:rPr>
-              <a:t>This system will ask some data input from user.</a:t>
-            </a:r>
-          </a:p>
-        </p:txBody>
-      </p:sp>
     </p:spTree>
     <p:extLst>
       <p:ext uri="{BB962C8B-B14F-4D97-AF65-F5344CB8AC3E}">
@@ -7025,10 +6886,10 @@
       </p:sp>
       <p:pic>
         <p:nvPicPr>
-          <p:cNvPr id="3" name="Picture 2">
+          <p:cNvPr id="6" name="Picture 5">
             <a:extLst>
               <a:ext uri="{FF2B5EF4-FFF2-40B4-BE49-F238E27FC236}">
-                <a16:creationId xmlns:a16="http://schemas.microsoft.com/office/drawing/2014/main" id="{A3003F46-1F0D-414E-8441-50A154B892B6}"/>
+                <a16:creationId xmlns:a16="http://schemas.microsoft.com/office/drawing/2014/main" id="{5D7232C3-F74E-4F8D-95B0-2A57F6905277}"/>
               </a:ext>
             </a:extLst>
           </p:cNvPr>
@@ -7037,71 +6898,22 @@
           </p:cNvPicPr>
           <p:nvPr/>
         </p:nvPicPr>
-        <p:blipFill rotWithShape="1">
+        <p:blipFill>
           <a:blip r:embed="rId2"/>
-          <a:srcRect t="4251" r="21274"/>
-          <a:stretch/>
+          <a:stretch>
+            <a:fillRect/>
+          </a:stretch>
         </p:blipFill>
         <p:spPr>
           <a:xfrm>
-            <a:off x="0" y="28486"/>
-            <a:ext cx="5797826" cy="5115013"/>
+            <a:off x="2190417" y="737931"/>
+            <a:ext cx="4763165" cy="3667637"/>
           </a:xfrm>
           <a:prstGeom prst="rect">
             <a:avLst/>
           </a:prstGeom>
         </p:spPr>
       </p:pic>
-      <p:sp>
-        <p:nvSpPr>
-          <p:cNvPr id="5" name="TextBox 4">
-            <a:extLst>
-              <a:ext uri="{FF2B5EF4-FFF2-40B4-BE49-F238E27FC236}">
-                <a16:creationId xmlns:a16="http://schemas.microsoft.com/office/drawing/2014/main" id="{07CD07AC-2360-4636-A1D9-FBA634EC5820}"/>
-              </a:ext>
-            </a:extLst>
-          </p:cNvPr>
-          <p:cNvSpPr txBox="1"/>
-          <p:nvPr/>
-        </p:nvSpPr>
-        <p:spPr>
-          <a:xfrm>
-            <a:off x="5943600" y="440704"/>
-            <a:ext cx="3128257" cy="646331"/>
-          </a:xfrm>
-          <a:prstGeom prst="rect">
-            <a:avLst/>
-          </a:prstGeom>
-          <a:noFill/>
-        </p:spPr>
-        <p:txBody>
-          <a:bodyPr wrap="square">
-            <a:spAutoFit/>
-          </a:bodyPr>
-          <a:lstStyle/>
-          <a:p>
-            <a:pPr marL="0" lvl="0" indent="0" algn="l" rtl="0">
-              <a:spcBef>
-                <a:spcPts val="600"/>
-              </a:spcBef>
-              <a:spcAft>
-                <a:spcPts val="0"/>
-              </a:spcAft>
-              <a:buNone/>
-            </a:pPr>
-            <a:r>
-              <a:rPr lang="en-US" sz="1200" i="1" dirty="0">
-                <a:solidFill>
-                  <a:schemeClr val="bg1"/>
-                </a:solidFill>
-                <a:latin typeface="Calibri" panose="020F0502020204030204" pitchFamily="34" charset="0"/>
-                <a:cs typeface="Calibri" panose="020F0502020204030204" pitchFamily="34" charset="0"/>
-              </a:rPr>
-              <a:t>After collecting all data, The app will calculate the average and display a proper message to the users.</a:t>
-            </a:r>
-          </a:p>
-        </p:txBody>
-      </p:sp>
     </p:spTree>
     <p:extLst>
       <p:ext uri="{BB962C8B-B14F-4D97-AF65-F5344CB8AC3E}">
@@ -7373,7 +7185,7 @@
         </p:nvSpPr>
         <p:spPr>
           <a:xfrm>
-            <a:off x="6219025" y="1179281"/>
+            <a:off x="3692250" y="2756452"/>
             <a:ext cx="2403600" cy="1206000"/>
           </a:xfrm>
           <a:prstGeom prst="rect">
@@ -7539,7 +7351,7 @@
         </p:nvSpPr>
         <p:spPr>
           <a:xfrm>
-            <a:off x="3592024" y="2669913"/>
+            <a:off x="6280360" y="1179146"/>
             <a:ext cx="2403600" cy="1206000"/>
           </a:xfrm>
           <a:prstGeom prst="rect">
@@ -7821,6 +7633,312 @@
               <a:t>Used to calculate average mark of a student.</a:t>
             </a:r>
             <a:endParaRPr lang="en-US" sz="1200" dirty="0"/>
+          </a:p>
+        </p:txBody>
+      </p:sp>
+      <p:sp>
+        <p:nvSpPr>
+          <p:cNvPr id="10" name="Google Shape;236;p29">
+            <a:extLst>
+              <a:ext uri="{FF2B5EF4-FFF2-40B4-BE49-F238E27FC236}">
+                <a16:creationId xmlns:a16="http://schemas.microsoft.com/office/drawing/2014/main" id="{8291A95E-99D2-4C87-9262-556A9F86F399}"/>
+              </a:ext>
+            </a:extLst>
+          </p:cNvPr>
+          <p:cNvSpPr txBox="1">
+            <a:spLocks/>
+          </p:cNvSpPr>
+          <p:nvPr/>
+        </p:nvSpPr>
+        <p:spPr>
+          <a:xfrm>
+            <a:off x="6393907" y="2756452"/>
+            <a:ext cx="2403600" cy="1206000"/>
+          </a:xfrm>
+          <a:prstGeom prst="rect">
+            <a:avLst/>
+          </a:prstGeom>
+          <a:noFill/>
+          <a:ln>
+            <a:noFill/>
+          </a:ln>
+        </p:spPr>
+        <p:txBody>
+          <a:bodyPr spcFirstLastPara="1" wrap="square" lIns="91425" tIns="91425" rIns="91425" bIns="91425" anchor="t" anchorCtr="0">
+            <a:noAutofit/>
+          </a:bodyPr>
+          <a:lstStyle>
+            <a:defPPr marR="0" lvl="0" algn="l" rtl="0">
+              <a:lnSpc>
+                <a:spcPct val="100000"/>
+              </a:lnSpc>
+              <a:spcBef>
+                <a:spcPts val="0"/>
+              </a:spcBef>
+              <a:spcAft>
+                <a:spcPts val="0"/>
+              </a:spcAft>
+            </a:defPPr>
+            <a:lvl1pPr marL="457200" marR="0" lvl="0" indent="-342900" algn="l" rtl="0">
+              <a:lnSpc>
+                <a:spcPct val="100000"/>
+              </a:lnSpc>
+              <a:spcBef>
+                <a:spcPts val="600"/>
+              </a:spcBef>
+              <a:spcAft>
+                <a:spcPts val="0"/>
+              </a:spcAft>
+              <a:buClr>
+                <a:schemeClr val="accent1"/>
+              </a:buClr>
+              <a:buSzPts val="1800"/>
+              <a:buFont typeface="Quicksand"/>
+              <a:buChar char="◦"/>
+              <a:defRPr sz="1800" b="0" i="0" u="none" strike="noStrike" cap="none">
+                <a:solidFill>
+                  <a:schemeClr val="lt1"/>
+                </a:solidFill>
+                <a:latin typeface="Quicksand"/>
+                <a:ea typeface="Quicksand"/>
+                <a:cs typeface="Quicksand"/>
+                <a:sym typeface="Quicksand"/>
+              </a:defRPr>
+            </a:lvl1pPr>
+            <a:lvl2pPr marL="914400" marR="0" lvl="1" indent="-342900" algn="l" rtl="0">
+              <a:lnSpc>
+                <a:spcPct val="100000"/>
+              </a:lnSpc>
+              <a:spcBef>
+                <a:spcPts val="0"/>
+              </a:spcBef>
+              <a:spcAft>
+                <a:spcPts val="0"/>
+              </a:spcAft>
+              <a:buClr>
+                <a:schemeClr val="accent1"/>
+              </a:buClr>
+              <a:buSzPts val="1800"/>
+              <a:buFont typeface="Quicksand"/>
+              <a:buChar char="▫"/>
+              <a:defRPr sz="1800" b="0" i="0" u="none" strike="noStrike" cap="none">
+                <a:solidFill>
+                  <a:schemeClr val="lt1"/>
+                </a:solidFill>
+                <a:latin typeface="Quicksand"/>
+                <a:ea typeface="Quicksand"/>
+                <a:cs typeface="Quicksand"/>
+                <a:sym typeface="Quicksand"/>
+              </a:defRPr>
+            </a:lvl2pPr>
+            <a:lvl3pPr marL="1371600" marR="0" lvl="2" indent="-342900" algn="l" rtl="0">
+              <a:lnSpc>
+                <a:spcPct val="100000"/>
+              </a:lnSpc>
+              <a:spcBef>
+                <a:spcPts val="0"/>
+              </a:spcBef>
+              <a:spcAft>
+                <a:spcPts val="0"/>
+              </a:spcAft>
+              <a:buClr>
+                <a:schemeClr val="accent1"/>
+              </a:buClr>
+              <a:buSzPts val="1800"/>
+              <a:buFont typeface="Quicksand"/>
+              <a:buChar char="■"/>
+              <a:defRPr sz="1800" b="0" i="0" u="none" strike="noStrike" cap="none">
+                <a:solidFill>
+                  <a:schemeClr val="lt1"/>
+                </a:solidFill>
+                <a:latin typeface="Quicksand"/>
+                <a:ea typeface="Quicksand"/>
+                <a:cs typeface="Quicksand"/>
+                <a:sym typeface="Quicksand"/>
+              </a:defRPr>
+            </a:lvl3pPr>
+            <a:lvl4pPr marL="1828800" marR="0" lvl="3" indent="-342900" algn="l" rtl="0">
+              <a:lnSpc>
+                <a:spcPct val="100000"/>
+              </a:lnSpc>
+              <a:spcBef>
+                <a:spcPts val="0"/>
+              </a:spcBef>
+              <a:spcAft>
+                <a:spcPts val="0"/>
+              </a:spcAft>
+              <a:buClr>
+                <a:schemeClr val="lt1"/>
+              </a:buClr>
+              <a:buSzPts val="1800"/>
+              <a:buFont typeface="Quicksand"/>
+              <a:buChar char="●"/>
+              <a:defRPr sz="1800" b="0" i="0" u="none" strike="noStrike" cap="none">
+                <a:solidFill>
+                  <a:schemeClr val="lt1"/>
+                </a:solidFill>
+                <a:latin typeface="Quicksand"/>
+                <a:ea typeface="Quicksand"/>
+                <a:cs typeface="Quicksand"/>
+                <a:sym typeface="Quicksand"/>
+              </a:defRPr>
+            </a:lvl4pPr>
+            <a:lvl5pPr marL="2286000" marR="0" lvl="4" indent="-342900" algn="l" rtl="0">
+              <a:lnSpc>
+                <a:spcPct val="100000"/>
+              </a:lnSpc>
+              <a:spcBef>
+                <a:spcPts val="0"/>
+              </a:spcBef>
+              <a:spcAft>
+                <a:spcPts val="0"/>
+              </a:spcAft>
+              <a:buClr>
+                <a:schemeClr val="lt1"/>
+              </a:buClr>
+              <a:buSzPts val="1800"/>
+              <a:buFont typeface="Quicksand"/>
+              <a:buChar char="○"/>
+              <a:defRPr sz="1800" b="0" i="0" u="none" strike="noStrike" cap="none">
+                <a:solidFill>
+                  <a:schemeClr val="lt1"/>
+                </a:solidFill>
+                <a:latin typeface="Quicksand"/>
+                <a:ea typeface="Quicksand"/>
+                <a:cs typeface="Quicksand"/>
+                <a:sym typeface="Quicksand"/>
+              </a:defRPr>
+            </a:lvl5pPr>
+            <a:lvl6pPr marL="2743200" marR="0" lvl="5" indent="-342900" algn="l" rtl="0">
+              <a:lnSpc>
+                <a:spcPct val="100000"/>
+              </a:lnSpc>
+              <a:spcBef>
+                <a:spcPts val="0"/>
+              </a:spcBef>
+              <a:spcAft>
+                <a:spcPts val="0"/>
+              </a:spcAft>
+              <a:buClr>
+                <a:schemeClr val="lt1"/>
+              </a:buClr>
+              <a:buSzPts val="1800"/>
+              <a:buFont typeface="Quicksand"/>
+              <a:buChar char="■"/>
+              <a:defRPr sz="1800" b="0" i="0" u="none" strike="noStrike" cap="none">
+                <a:solidFill>
+                  <a:schemeClr val="lt1"/>
+                </a:solidFill>
+                <a:latin typeface="Quicksand"/>
+                <a:ea typeface="Quicksand"/>
+                <a:cs typeface="Quicksand"/>
+                <a:sym typeface="Quicksand"/>
+              </a:defRPr>
+            </a:lvl6pPr>
+            <a:lvl7pPr marL="3200400" marR="0" lvl="6" indent="-342900" algn="l" rtl="0">
+              <a:lnSpc>
+                <a:spcPct val="100000"/>
+              </a:lnSpc>
+              <a:spcBef>
+                <a:spcPts val="0"/>
+              </a:spcBef>
+              <a:spcAft>
+                <a:spcPts val="0"/>
+              </a:spcAft>
+              <a:buClr>
+                <a:schemeClr val="lt1"/>
+              </a:buClr>
+              <a:buSzPts val="1800"/>
+              <a:buFont typeface="Quicksand"/>
+              <a:buChar char="●"/>
+              <a:defRPr sz="1800" b="0" i="0" u="none" strike="noStrike" cap="none">
+                <a:solidFill>
+                  <a:schemeClr val="lt1"/>
+                </a:solidFill>
+                <a:latin typeface="Quicksand"/>
+                <a:ea typeface="Quicksand"/>
+                <a:cs typeface="Quicksand"/>
+                <a:sym typeface="Quicksand"/>
+              </a:defRPr>
+            </a:lvl7pPr>
+            <a:lvl8pPr marL="3657600" marR="0" lvl="7" indent="-342900" algn="l" rtl="0">
+              <a:lnSpc>
+                <a:spcPct val="100000"/>
+              </a:lnSpc>
+              <a:spcBef>
+                <a:spcPts val="0"/>
+              </a:spcBef>
+              <a:spcAft>
+                <a:spcPts val="0"/>
+              </a:spcAft>
+              <a:buClr>
+                <a:schemeClr val="lt1"/>
+              </a:buClr>
+              <a:buSzPts val="1800"/>
+              <a:buFont typeface="Quicksand"/>
+              <a:buChar char="○"/>
+              <a:defRPr sz="1800" b="0" i="0" u="none" strike="noStrike" cap="none">
+                <a:solidFill>
+                  <a:schemeClr val="lt1"/>
+                </a:solidFill>
+                <a:latin typeface="Quicksand"/>
+                <a:ea typeface="Quicksand"/>
+                <a:cs typeface="Quicksand"/>
+                <a:sym typeface="Quicksand"/>
+              </a:defRPr>
+            </a:lvl8pPr>
+            <a:lvl9pPr marL="4114800" marR="0" lvl="8" indent="-342900" algn="l" rtl="0">
+              <a:lnSpc>
+                <a:spcPct val="100000"/>
+              </a:lnSpc>
+              <a:spcBef>
+                <a:spcPts val="0"/>
+              </a:spcBef>
+              <a:spcAft>
+                <a:spcPts val="0"/>
+              </a:spcAft>
+              <a:buClr>
+                <a:schemeClr val="lt1"/>
+              </a:buClr>
+              <a:buSzPts val="1800"/>
+              <a:buFont typeface="Quicksand"/>
+              <a:buChar char="■"/>
+              <a:defRPr sz="1800" b="0" i="0" u="none" strike="noStrike" cap="none">
+                <a:solidFill>
+                  <a:schemeClr val="lt1"/>
+                </a:solidFill>
+                <a:latin typeface="Quicksand"/>
+                <a:ea typeface="Quicksand"/>
+                <a:cs typeface="Quicksand"/>
+                <a:sym typeface="Quicksand"/>
+              </a:defRPr>
+            </a:lvl9pPr>
+          </a:lstStyle>
+          <a:p>
+            <a:pPr marL="0" indent="0">
+              <a:buFont typeface="Quicksand"/>
+              <a:buNone/>
+            </a:pPr>
+            <a:r>
+              <a:rPr lang="en-CA" b="1" dirty="0" err="1"/>
+              <a:t>Hashtable</a:t>
+            </a:r>
+            <a:endParaRPr lang="en-CA" b="1" dirty="0"/>
+          </a:p>
+          <a:p>
+            <a:pPr marL="0" indent="0">
+              <a:buFont typeface="Quicksand"/>
+              <a:buNone/>
+            </a:pPr>
+            <a:r>
+              <a:rPr lang="en-CA" sz="1200" dirty="0"/>
+              <a:t>Used to store roll number and average </a:t>
+            </a:r>
+            <a:r>
+              <a:rPr lang="en-CA" sz="1200"/>
+              <a:t>of students.</a:t>
+            </a:r>
+            <a:endParaRPr lang="en-CA" sz="1200" dirty="0"/>
           </a:p>
         </p:txBody>
       </p:sp>

--- a/ProjectDataStrc.pptx
+++ b/ProjectDataStrc.pptx
@@ -16,11 +16,11 @@
     <p:sldId id="263" r:id="rId7"/>
     <p:sldId id="275" r:id="rId8"/>
     <p:sldId id="274" r:id="rId9"/>
-    <p:sldId id="276" r:id="rId10"/>
-    <p:sldId id="277" r:id="rId11"/>
-    <p:sldId id="278" r:id="rId12"/>
-    <p:sldId id="279" r:id="rId13"/>
-    <p:sldId id="280" r:id="rId14"/>
+    <p:sldId id="280" r:id="rId10"/>
+    <p:sldId id="281" r:id="rId11"/>
+    <p:sldId id="282" r:id="rId12"/>
+    <p:sldId id="283" r:id="rId13"/>
+    <p:sldId id="284" r:id="rId14"/>
     <p:sldId id="273" r:id="rId15"/>
   </p:sldIdLst>
   <p:sldSz cx="9144000" cy="5143500" type="screen16x9"/>
@@ -826,6 +826,115 @@
   <p:cSld>
     <p:spTree>
       <p:nvGrpSpPr>
+        <p:cNvPr id="1" name="Shape 90"/>
+        <p:cNvGrpSpPr/>
+        <p:nvPr/>
+      </p:nvGrpSpPr>
+      <p:grpSpPr>
+        <a:xfrm>
+          <a:off x="0" y="0"/>
+          <a:ext cx="0" cy="0"/>
+          <a:chOff x="0" y="0"/>
+          <a:chExt cx="0" cy="0"/>
+        </a:xfrm>
+      </p:grpSpPr>
+      <p:sp>
+        <p:nvSpPr>
+          <p:cNvPr id="91" name="Google Shape;91;g35f391192_029:notes"/>
+          <p:cNvSpPr>
+            <a:spLocks noGrp="1" noRot="1" noChangeAspect="1"/>
+          </p:cNvSpPr>
+          <p:nvPr>
+            <p:ph type="sldImg" idx="2"/>
+          </p:nvPr>
+        </p:nvSpPr>
+        <p:spPr>
+          <a:xfrm>
+            <a:off x="381000" y="685800"/>
+            <a:ext cx="6096000" cy="3429000"/>
+          </a:xfrm>
+          <a:custGeom>
+            <a:avLst/>
+            <a:gdLst/>
+            <a:ahLst/>
+            <a:cxnLst/>
+            <a:rect l="l" t="t" r="r" b="b"/>
+            <a:pathLst>
+              <a:path w="120000" h="120000" extrusionOk="0">
+                <a:moveTo>
+                  <a:pt x="0" y="0"/>
+                </a:moveTo>
+                <a:lnTo>
+                  <a:pt x="120000" y="0"/>
+                </a:lnTo>
+                <a:lnTo>
+                  <a:pt x="120000" y="120000"/>
+                </a:lnTo>
+                <a:lnTo>
+                  <a:pt x="0" y="120000"/>
+                </a:lnTo>
+                <a:close/>
+              </a:path>
+            </a:pathLst>
+          </a:custGeom>
+        </p:spPr>
+      </p:sp>
+      <p:sp>
+        <p:nvSpPr>
+          <p:cNvPr id="92" name="Google Shape;92;g35f391192_029:notes"/>
+          <p:cNvSpPr txBox="1">
+            <a:spLocks noGrp="1"/>
+          </p:cNvSpPr>
+          <p:nvPr>
+            <p:ph type="body" idx="1"/>
+          </p:nvPr>
+        </p:nvSpPr>
+        <p:spPr>
+          <a:xfrm>
+            <a:off x="685800" y="4343400"/>
+            <a:ext cx="5486400" cy="4114800"/>
+          </a:xfrm>
+          <a:prstGeom prst="rect">
+            <a:avLst/>
+          </a:prstGeom>
+        </p:spPr>
+        <p:txBody>
+          <a:bodyPr spcFirstLastPara="1" wrap="square" lIns="91425" tIns="91425" rIns="91425" bIns="91425" anchor="t" anchorCtr="0">
+            <a:noAutofit/>
+          </a:bodyPr>
+          <a:lstStyle/>
+          <a:p>
+            <a:pPr marL="0" lvl="0" indent="0" algn="l" rtl="0">
+              <a:spcBef>
+                <a:spcPts val="0"/>
+              </a:spcBef>
+              <a:spcAft>
+                <a:spcPts val="0"/>
+              </a:spcAft>
+              <a:buNone/>
+            </a:pPr>
+            <a:endParaRPr/>
+          </a:p>
+        </p:txBody>
+      </p:sp>
+    </p:spTree>
+    <p:extLst>
+      <p:ext uri="{BB962C8B-B14F-4D97-AF65-F5344CB8AC3E}">
+        <p14:creationId xmlns:p14="http://schemas.microsoft.com/office/powerpoint/2010/main" val="681662887"/>
+      </p:ext>
+    </p:extLst>
+  </p:cSld>
+  <p:clrMapOvr>
+    <a:masterClrMapping/>
+  </p:clrMapOvr>
+</p:notes>
+</file>
+
+<file path=ppt/notesSlides/notesSlide11.xml><?xml version="1.0" encoding="utf-8"?>
+<p:notes xmlns:a="http://schemas.openxmlformats.org/drawingml/2006/main" xmlns:r="http://schemas.openxmlformats.org/officeDocument/2006/relationships" xmlns:p="http://schemas.openxmlformats.org/presentationml/2006/main" showMasterSp="0" showMasterPhAnim="0">
+  <p:cSld>
+    <p:spTree>
+      <p:nvGrpSpPr>
         <p:cNvPr id="1" name="Shape 229"/>
         <p:cNvGrpSpPr/>
         <p:nvPr/>
@@ -913,7 +1022,7 @@
               </a:spcAft>
               <a:buNone/>
             </a:pPr>
-            <a:endParaRPr/>
+            <a:endParaRPr dirty="0"/>
           </a:p>
         </p:txBody>
       </p:sp>
@@ -1668,7 +1777,7 @@
   <p:cSld>
     <p:spTree>
       <p:nvGrpSpPr>
-        <p:cNvPr id="1" name="Shape 90"/>
+        <p:cNvPr id="1" name="Shape 124"/>
         <p:cNvGrpSpPr/>
         <p:nvPr/>
       </p:nvGrpSpPr>
@@ -1682,7 +1791,7 @@
       </p:grpSpPr>
       <p:sp>
         <p:nvSpPr>
-          <p:cNvPr id="91" name="Google Shape;91;g35f391192_029:notes"/>
+          <p:cNvPr id="125" name="Google Shape;125;g35f391192_017:notes"/>
           <p:cNvSpPr>
             <a:spLocks noGrp="1" noRot="1" noChangeAspect="1"/>
           </p:cNvSpPr>
@@ -1723,7 +1832,7 @@
       </p:sp>
       <p:sp>
         <p:nvSpPr>
-          <p:cNvPr id="92" name="Google Shape;92;g35f391192_029:notes"/>
+          <p:cNvPr id="126" name="Google Shape;126;g35f391192_017:notes"/>
           <p:cNvSpPr txBox="1">
             <a:spLocks noGrp="1"/>
           </p:cNvSpPr>
@@ -1755,14 +1864,14 @@
               </a:spcAft>
               <a:buNone/>
             </a:pPr>
-            <a:endParaRPr/>
+            <a:endParaRPr dirty="0"/>
           </a:p>
         </p:txBody>
       </p:sp>
     </p:spTree>
     <p:extLst>
       <p:ext uri="{BB962C8B-B14F-4D97-AF65-F5344CB8AC3E}">
-        <p14:creationId xmlns:p14="http://schemas.microsoft.com/office/powerpoint/2010/main" val="681662887"/>
+        <p14:creationId xmlns:p14="http://schemas.microsoft.com/office/powerpoint/2010/main" val="2534785420"/>
       </p:ext>
     </p:extLst>
   </p:cSld>
@@ -6638,7 +6747,7 @@
   <p:cSld>
     <p:spTree>
       <p:nvGrpSpPr>
-        <p:cNvPr id="1" name=""/>
+        <p:cNvPr id="1" name="Shape 93"/>
         <p:cNvGrpSpPr/>
         <p:nvPr/>
       </p:nvGrpSpPr>
@@ -6652,10 +6761,110 @@
       </p:grpSpPr>
       <p:sp>
         <p:nvSpPr>
-          <p:cNvPr id="4" name="Slide Number Placeholder 3">
+          <p:cNvPr id="96" name="Google Shape;96;p15"/>
+          <p:cNvSpPr txBox="1"/>
+          <p:nvPr/>
+        </p:nvSpPr>
+        <p:spPr>
+          <a:xfrm>
+            <a:off x="526358" y="2279925"/>
+            <a:ext cx="802500" cy="589800"/>
+          </a:xfrm>
+          <a:prstGeom prst="rect">
+            <a:avLst/>
+          </a:prstGeom>
+          <a:noFill/>
+          <a:ln>
+            <a:noFill/>
+          </a:ln>
+        </p:spPr>
+        <p:txBody>
+          <a:bodyPr spcFirstLastPara="1" wrap="square" lIns="91425" tIns="91425" rIns="91425" bIns="91425" anchor="ctr" anchorCtr="0">
+            <a:noAutofit/>
+          </a:bodyPr>
+          <a:lstStyle/>
+          <a:p>
+            <a:pPr marL="0" lvl="0" indent="0" algn="ctr" rtl="0">
+              <a:spcBef>
+                <a:spcPts val="0"/>
+              </a:spcBef>
+              <a:spcAft>
+                <a:spcPts val="0"/>
+              </a:spcAft>
+              <a:buNone/>
+            </a:pPr>
+            <a:r>
+              <a:rPr lang="en-US" sz="3000" dirty="0">
+                <a:solidFill>
+                  <a:srgbClr val="2E3037"/>
+                </a:solidFill>
+                <a:latin typeface="Quicksand"/>
+                <a:ea typeface="Quicksand"/>
+                <a:cs typeface="Quicksand"/>
+                <a:sym typeface="Quicksand"/>
+              </a:rPr>
+              <a:t>3</a:t>
+            </a:r>
+            <a:endParaRPr sz="3000" dirty="0">
+              <a:solidFill>
+                <a:srgbClr val="2E3037"/>
+              </a:solidFill>
+              <a:latin typeface="Quicksand"/>
+              <a:ea typeface="Quicksand"/>
+              <a:cs typeface="Quicksand"/>
+              <a:sym typeface="Quicksand"/>
+            </a:endParaRPr>
+          </a:p>
+        </p:txBody>
+      </p:sp>
+      <p:sp>
+        <p:nvSpPr>
+          <p:cNvPr id="97" name="Google Shape;97;p15"/>
+          <p:cNvSpPr txBox="1">
+            <a:spLocks noGrp="1"/>
+          </p:cNvSpPr>
+          <p:nvPr>
+            <p:ph type="sldNum" idx="12"/>
+          </p:nvPr>
+        </p:nvSpPr>
+        <p:spPr>
+          <a:xfrm>
+            <a:off x="8523157" y="4752131"/>
+            <a:ext cx="548700" cy="315300"/>
+          </a:xfrm>
+          <a:prstGeom prst="rect">
+            <a:avLst/>
+          </a:prstGeom>
+        </p:spPr>
+        <p:txBody>
+          <a:bodyPr spcFirstLastPara="1" wrap="square" lIns="91425" tIns="91425" rIns="91425" bIns="91425" anchor="t" anchorCtr="0">
+            <a:noAutofit/>
+          </a:bodyPr>
+          <a:lstStyle/>
+          <a:p>
+            <a:pPr marL="0" lvl="0" indent="0" algn="r" rtl="0">
+              <a:spcBef>
+                <a:spcPts val="0"/>
+              </a:spcBef>
+              <a:spcAft>
+                <a:spcPts val="0"/>
+              </a:spcAft>
+              <a:buNone/>
+            </a:pPr>
+            <a:fld id="{00000000-1234-1234-1234-123412341234}" type="slidenum">
+              <a:rPr lang="en"/>
+              <a:t>10</a:t>
+            </a:fld>
+            <a:endParaRPr/>
+          </a:p>
+        </p:txBody>
+      </p:sp>
+      <p:sp>
+        <p:nvSpPr>
+          <p:cNvPr id="3" name="Title 2">
             <a:extLst>
               <a:ext uri="{FF2B5EF4-FFF2-40B4-BE49-F238E27FC236}">
-                <a16:creationId xmlns:a16="http://schemas.microsoft.com/office/drawing/2014/main" id="{B897170C-2ADD-4B4F-8755-633BD86C7827}"/>
+                <a16:creationId xmlns:a16="http://schemas.microsoft.com/office/drawing/2014/main" id="{E20278D8-31AA-43C8-A2B8-E0D6C1FC5C72}"/>
               </a:ext>
             </a:extLst>
           </p:cNvPr>
@@ -6663,37 +6872,198 @@
             <a:spLocks noGrp="1"/>
           </p:cNvSpPr>
           <p:nvPr>
-            <p:ph type="sldNum" idx="12"/>
+            <p:ph type="ctrTitle"/>
           </p:nvPr>
         </p:nvSpPr>
-        <p:spPr/>
+        <p:spPr>
+          <a:xfrm>
+            <a:off x="1523500" y="4074666"/>
+            <a:ext cx="6767100" cy="677465"/>
+          </a:xfrm>
+        </p:spPr>
         <p:txBody>
           <a:bodyPr/>
           <a:lstStyle/>
           <a:p>
-            <a:pPr marL="0" lvl="0" indent="0" algn="r" rtl="0">
-              <a:spcBef>
-                <a:spcPts val="0"/>
-              </a:spcBef>
-              <a:spcAft>
-                <a:spcPts val="0"/>
-              </a:spcAft>
-              <a:buNone/>
-            </a:pPr>
-            <a:fld id="{00000000-1234-1234-1234-123412341234}" type="slidenum">
-              <a:rPr lang="en" smtClean="0"/>
-              <a:t>10</a:t>
-            </a:fld>
-            <a:endParaRPr lang="en"/>
+            <a:br>
+              <a:rPr lang="ru-RU" sz="3200" dirty="0">
+                <a:solidFill>
+                  <a:schemeClr val="bg1"/>
+                </a:solidFill>
+                <a:effectLst/>
+                <a:latin typeface="Calibri" panose="020F0502020204030204" pitchFamily="34" charset="0"/>
+                <a:ea typeface="Calibri" panose="020F0502020204030204" pitchFamily="34" charset="0"/>
+                <a:cs typeface="Times New Roman" panose="02020603050405020304" pitchFamily="18" charset="0"/>
+              </a:rPr>
+            </a:br>
+            <a:endParaRPr lang="ru-RU" dirty="0"/>
+          </a:p>
+        </p:txBody>
+      </p:sp>
+      <p:sp>
+        <p:nvSpPr>
+          <p:cNvPr id="7" name="TextBox 6">
+            <a:extLst>
+              <a:ext uri="{FF2B5EF4-FFF2-40B4-BE49-F238E27FC236}">
+                <a16:creationId xmlns:a16="http://schemas.microsoft.com/office/drawing/2014/main" id="{D2D0DD6B-1965-491C-BAC3-66877E81121B}"/>
+              </a:ext>
+            </a:extLst>
+          </p:cNvPr>
+          <p:cNvSpPr txBox="1"/>
+          <p:nvPr/>
+        </p:nvSpPr>
+        <p:spPr>
+          <a:xfrm rot="16200000">
+            <a:off x="-1561317" y="2310140"/>
+            <a:ext cx="3875059" cy="523220"/>
+          </a:xfrm>
+          <a:prstGeom prst="rect">
+            <a:avLst/>
+          </a:prstGeom>
+          <a:noFill/>
+        </p:spPr>
+        <p:txBody>
+          <a:bodyPr wrap="square">
+            <a:spAutoFit/>
+          </a:bodyPr>
+          <a:lstStyle/>
+          <a:p>
+            <a:pPr>
+              <a:spcBef>
+                <a:spcPts val="600"/>
+              </a:spcBef>
+            </a:pPr>
+            <a:r>
+              <a:rPr lang="en-US" sz="2800" b="1" dirty="0">
+                <a:solidFill>
+                  <a:schemeClr val="accent1"/>
+                </a:solidFill>
+                <a:latin typeface="+mj-lt"/>
+              </a:rPr>
+              <a:t>Decorator     Pattern </a:t>
+            </a:r>
+          </a:p>
+        </p:txBody>
+      </p:sp>
+      <p:sp>
+        <p:nvSpPr>
+          <p:cNvPr id="8" name="TextBox 7">
+            <a:extLst>
+              <a:ext uri="{FF2B5EF4-FFF2-40B4-BE49-F238E27FC236}">
+                <a16:creationId xmlns:a16="http://schemas.microsoft.com/office/drawing/2014/main" id="{26186330-1F6D-44F0-9C6E-3EEB5636B1F9}"/>
+              </a:ext>
+            </a:extLst>
+          </p:cNvPr>
+          <p:cNvSpPr txBox="1"/>
+          <p:nvPr/>
+        </p:nvSpPr>
+        <p:spPr>
+          <a:xfrm>
+            <a:off x="1001351" y="175233"/>
+            <a:ext cx="2277290" cy="2231380"/>
+          </a:xfrm>
+          <a:prstGeom prst="rect">
+            <a:avLst/>
+          </a:prstGeom>
+          <a:noFill/>
+        </p:spPr>
+        <p:txBody>
+          <a:bodyPr wrap="square">
+            <a:spAutoFit/>
+          </a:bodyPr>
+          <a:lstStyle/>
+          <a:p>
+            <a:pPr marL="0" lvl="0" indent="0" algn="l" rtl="0">
+              <a:spcBef>
+                <a:spcPts val="600"/>
+              </a:spcBef>
+              <a:spcAft>
+                <a:spcPts val="0"/>
+              </a:spcAft>
+              <a:buNone/>
+            </a:pPr>
+            <a:r>
+              <a:rPr lang="en-US" sz="1200" i="1" dirty="0">
+                <a:solidFill>
+                  <a:schemeClr val="bg1"/>
+                </a:solidFill>
+                <a:latin typeface="Calibri" panose="020F0502020204030204" pitchFamily="34" charset="0"/>
+                <a:cs typeface="Calibri" panose="020F0502020204030204" pitchFamily="34" charset="0"/>
+              </a:rPr>
+              <a:t>This pattern is used to calculate average mark of a student in one course. </a:t>
+            </a:r>
+          </a:p>
+          <a:p>
+            <a:pPr marL="0" lvl="0" indent="0" algn="l" rtl="0">
+              <a:spcBef>
+                <a:spcPts val="600"/>
+              </a:spcBef>
+              <a:spcAft>
+                <a:spcPts val="0"/>
+              </a:spcAft>
+              <a:buNone/>
+            </a:pPr>
+            <a:r>
+              <a:rPr lang="en-US" sz="1200" i="1" dirty="0">
+                <a:solidFill>
+                  <a:schemeClr val="bg1"/>
+                </a:solidFill>
+                <a:latin typeface="Calibri" panose="020F0502020204030204" pitchFamily="34" charset="0"/>
+                <a:cs typeface="Calibri" panose="020F0502020204030204" pitchFamily="34" charset="0"/>
+              </a:rPr>
+              <a:t>It includes various classes and an Interface.</a:t>
+            </a:r>
+          </a:p>
+          <a:p>
+            <a:pPr marL="0" lvl="0" indent="0" algn="l" rtl="0">
+              <a:spcBef>
+                <a:spcPts val="600"/>
+              </a:spcBef>
+              <a:spcAft>
+                <a:spcPts val="0"/>
+              </a:spcAft>
+              <a:buNone/>
+            </a:pPr>
+            <a:r>
+              <a:rPr lang="en-US" sz="1200" i="1" dirty="0">
+                <a:solidFill>
+                  <a:schemeClr val="bg1"/>
+                </a:solidFill>
+                <a:latin typeface="Calibri" panose="020F0502020204030204" pitchFamily="34" charset="0"/>
+                <a:cs typeface="Calibri" panose="020F0502020204030204" pitchFamily="34" charset="0"/>
+              </a:rPr>
+              <a:t>This module collects input data from user and calculate average mark.</a:t>
+            </a:r>
+          </a:p>
+          <a:p>
+            <a:pPr marL="0" lvl="0" indent="0" algn="l" rtl="0">
+              <a:spcBef>
+                <a:spcPts val="600"/>
+              </a:spcBef>
+              <a:spcAft>
+                <a:spcPts val="0"/>
+              </a:spcAft>
+              <a:buNone/>
+            </a:pPr>
+            <a:r>
+              <a:rPr lang="en-US" sz="1200" i="1" dirty="0">
+                <a:solidFill>
+                  <a:schemeClr val="bg1"/>
+                </a:solidFill>
+                <a:latin typeface="Calibri" panose="020F0502020204030204" pitchFamily="34" charset="0"/>
+                <a:cs typeface="Calibri" panose="020F0502020204030204" pitchFamily="34" charset="0"/>
+              </a:rPr>
+              <a:t>It automatically displays the average mark</a:t>
+            </a:r>
           </a:p>
         </p:txBody>
       </p:sp>
       <p:pic>
         <p:nvPicPr>
-          <p:cNvPr id="3" name="Picture 2">
+          <p:cNvPr id="4" name="Picture 3" descr="Diagram&#10;&#10;Description automatically generated">
             <a:extLst>
               <a:ext uri="{FF2B5EF4-FFF2-40B4-BE49-F238E27FC236}">
-                <a16:creationId xmlns:a16="http://schemas.microsoft.com/office/drawing/2014/main" id="{B9C51559-6FEF-41D1-8E08-9EAC36E77614}"/>
+                <a16:creationId xmlns:a16="http://schemas.microsoft.com/office/drawing/2014/main" id="{E40BB2D4-4CF5-4B56-B3DA-B1005CE40A4B}"/>
               </a:ext>
             </a:extLst>
           </p:cNvPr>
@@ -6703,15 +7073,15 @@
           <p:nvPr/>
         </p:nvPicPr>
         <p:blipFill>
-          <a:blip r:embed="rId2"/>
+          <a:blip r:embed="rId3"/>
           <a:stretch>
             <a:fillRect/>
           </a:stretch>
         </p:blipFill>
         <p:spPr>
           <a:xfrm>
-            <a:off x="2414412" y="0"/>
-            <a:ext cx="4315175" cy="5143500"/>
+            <a:off x="3204898" y="-6075"/>
+            <a:ext cx="5939102" cy="5143500"/>
           </a:xfrm>
           <a:prstGeom prst="rect">
             <a:avLst/>
@@ -6721,7 +7091,7 @@
     </p:spTree>
     <p:extLst>
       <p:ext uri="{BB962C8B-B14F-4D97-AF65-F5344CB8AC3E}">
-        <p14:creationId xmlns:p14="http://schemas.microsoft.com/office/powerpoint/2010/main" val="128853310"/>
+        <p14:creationId xmlns:p14="http://schemas.microsoft.com/office/powerpoint/2010/main" val="2597506956"/>
       </p:ext>
     </p:extLst>
   </p:cSld>
@@ -6791,7 +7161,7 @@
           <p:cNvPr id="3" name="Picture 2">
             <a:extLst>
               <a:ext uri="{FF2B5EF4-FFF2-40B4-BE49-F238E27FC236}">
-                <a16:creationId xmlns:a16="http://schemas.microsoft.com/office/drawing/2014/main" id="{ADEF7ABD-5C29-4260-8127-737ABA6D66A2}"/>
+                <a16:creationId xmlns:a16="http://schemas.microsoft.com/office/drawing/2014/main" id="{B9C51559-6FEF-41D1-8E08-9EAC36E77614}"/>
               </a:ext>
             </a:extLst>
           </p:cNvPr>
@@ -6808,8 +7178,8 @@
         </p:blipFill>
         <p:spPr>
           <a:xfrm>
-            <a:off x="2750344" y="0"/>
-            <a:ext cx="3643312" cy="5143500"/>
+            <a:off x="2414412" y="0"/>
+            <a:ext cx="4315175" cy="5143500"/>
           </a:xfrm>
           <a:prstGeom prst="rect">
             <a:avLst/>
@@ -6819,7 +7189,7 @@
     </p:spTree>
     <p:extLst>
       <p:ext uri="{BB962C8B-B14F-4D97-AF65-F5344CB8AC3E}">
-        <p14:creationId xmlns:p14="http://schemas.microsoft.com/office/powerpoint/2010/main" val="1473724427"/>
+        <p14:creationId xmlns:p14="http://schemas.microsoft.com/office/powerpoint/2010/main" val="3517344476"/>
       </p:ext>
     </p:extLst>
   </p:cSld>
@@ -6886,10 +7256,10 @@
       </p:sp>
       <p:pic>
         <p:nvPicPr>
-          <p:cNvPr id="6" name="Picture 5">
+          <p:cNvPr id="3" name="Picture 2">
             <a:extLst>
               <a:ext uri="{FF2B5EF4-FFF2-40B4-BE49-F238E27FC236}">
-                <a16:creationId xmlns:a16="http://schemas.microsoft.com/office/drawing/2014/main" id="{5D7232C3-F74E-4F8D-95B0-2A57F6905277}"/>
+                <a16:creationId xmlns:a16="http://schemas.microsoft.com/office/drawing/2014/main" id="{ADEF7ABD-5C29-4260-8127-737ABA6D66A2}"/>
               </a:ext>
             </a:extLst>
           </p:cNvPr>
@@ -6906,8 +7276,8 @@
         </p:blipFill>
         <p:spPr>
           <a:xfrm>
-            <a:off x="2190417" y="737931"/>
-            <a:ext cx="4763165" cy="3667637"/>
+            <a:off x="2750344" y="0"/>
+            <a:ext cx="3643312" cy="5143500"/>
           </a:xfrm>
           <a:prstGeom prst="rect">
             <a:avLst/>
@@ -6917,7 +7287,7 @@
     </p:spTree>
     <p:extLst>
       <p:ext uri="{BB962C8B-B14F-4D97-AF65-F5344CB8AC3E}">
-        <p14:creationId xmlns:p14="http://schemas.microsoft.com/office/powerpoint/2010/main" val="3799912477"/>
+        <p14:creationId xmlns:p14="http://schemas.microsoft.com/office/powerpoint/2010/main" val="3079053019"/>
       </p:ext>
     </p:extLst>
   </p:cSld>
@@ -6982,10 +7352,40 @@
           </a:p>
         </p:txBody>
       </p:sp>
+      <p:pic>
+        <p:nvPicPr>
+          <p:cNvPr id="6" name="Picture 5">
+            <a:extLst>
+              <a:ext uri="{FF2B5EF4-FFF2-40B4-BE49-F238E27FC236}">
+                <a16:creationId xmlns:a16="http://schemas.microsoft.com/office/drawing/2014/main" id="{5D7232C3-F74E-4F8D-95B0-2A57F6905277}"/>
+              </a:ext>
+            </a:extLst>
+          </p:cNvPr>
+          <p:cNvPicPr>
+            <a:picLocks noChangeAspect="1"/>
+          </p:cNvPicPr>
+          <p:nvPr/>
+        </p:nvPicPr>
+        <p:blipFill>
+          <a:blip r:embed="rId2"/>
+          <a:stretch>
+            <a:fillRect/>
+          </a:stretch>
+        </p:blipFill>
+        <p:spPr>
+          <a:xfrm>
+            <a:off x="2190417" y="737931"/>
+            <a:ext cx="4763165" cy="3667637"/>
+          </a:xfrm>
+          <a:prstGeom prst="rect">
+            <a:avLst/>
+          </a:prstGeom>
+        </p:spPr>
+      </p:pic>
     </p:spTree>
     <p:extLst>
       <p:ext uri="{BB962C8B-B14F-4D97-AF65-F5344CB8AC3E}">
-        <p14:creationId xmlns:p14="http://schemas.microsoft.com/office/powerpoint/2010/main" val="2247518270"/>
+        <p14:creationId xmlns:p14="http://schemas.microsoft.com/office/powerpoint/2010/main" val="463580563"/>
       </p:ext>
     </p:extLst>
   </p:cSld>
@@ -7014,287 +7414,6 @@
       </p:grpSpPr>
       <p:sp>
         <p:nvSpPr>
-          <p:cNvPr id="233" name="Google Shape;233;p29"/>
-          <p:cNvSpPr txBox="1">
-            <a:spLocks noGrp="1"/>
-          </p:cNvSpPr>
-          <p:nvPr>
-            <p:ph type="title"/>
-          </p:nvPr>
-        </p:nvSpPr>
-        <p:spPr>
-          <a:xfrm>
-            <a:off x="1165475" y="549649"/>
-            <a:ext cx="6858000" cy="345000"/>
-          </a:xfrm>
-          <a:prstGeom prst="rect">
-            <a:avLst/>
-          </a:prstGeom>
-        </p:spPr>
-        <p:txBody>
-          <a:bodyPr spcFirstLastPara="1" wrap="square" lIns="91425" tIns="91425" rIns="91425" bIns="91425" anchor="b" anchorCtr="0">
-            <a:noAutofit/>
-          </a:bodyPr>
-          <a:lstStyle/>
-          <a:p>
-            <a:pPr marL="0" lvl="0" indent="0" algn="l" rtl="0">
-              <a:spcBef>
-                <a:spcPts val="0"/>
-              </a:spcBef>
-              <a:spcAft>
-                <a:spcPts val="0"/>
-              </a:spcAft>
-              <a:buNone/>
-            </a:pPr>
-            <a:r>
-              <a:rPr lang="en" dirty="0"/>
-              <a:t>Summary</a:t>
-            </a:r>
-            <a:endParaRPr dirty="0"/>
-          </a:p>
-        </p:txBody>
-      </p:sp>
-      <p:sp>
-        <p:nvSpPr>
-          <p:cNvPr id="234" name="Google Shape;234;p29"/>
-          <p:cNvSpPr txBox="1">
-            <a:spLocks noGrp="1"/>
-          </p:cNvSpPr>
-          <p:nvPr>
-            <p:ph type="body" idx="1"/>
-          </p:nvPr>
-        </p:nvSpPr>
-        <p:spPr>
-          <a:xfrm>
-            <a:off x="1165475" y="1179281"/>
-            <a:ext cx="2403600" cy="1206000"/>
-          </a:xfrm>
-          <a:prstGeom prst="rect">
-            <a:avLst/>
-          </a:prstGeom>
-        </p:spPr>
-        <p:txBody>
-          <a:bodyPr spcFirstLastPara="1" wrap="square" lIns="91425" tIns="91425" rIns="91425" bIns="91425" anchor="t" anchorCtr="0">
-            <a:noAutofit/>
-          </a:bodyPr>
-          <a:lstStyle/>
-          <a:p>
-            <a:pPr marL="0" lvl="0" indent="0" algn="l" rtl="0">
-              <a:spcBef>
-                <a:spcPts val="600"/>
-              </a:spcBef>
-              <a:spcAft>
-                <a:spcPts val="0"/>
-              </a:spcAft>
-              <a:buNone/>
-            </a:pPr>
-            <a:r>
-              <a:rPr lang="en-US" b="1" dirty="0"/>
-              <a:t>Factory and Singleton Patterns</a:t>
-            </a:r>
-          </a:p>
-          <a:p>
-            <a:pPr marL="0" lvl="0" indent="0" algn="l" rtl="0">
-              <a:spcBef>
-                <a:spcPts val="600"/>
-              </a:spcBef>
-              <a:spcAft>
-                <a:spcPts val="0"/>
-              </a:spcAft>
-              <a:buNone/>
-            </a:pPr>
-            <a:r>
-              <a:rPr lang="en-US" sz="1200" b="1" dirty="0"/>
-              <a:t>Used to get Grade for the new Student.</a:t>
-            </a:r>
-            <a:endParaRPr sz="1200" dirty="0"/>
-          </a:p>
-        </p:txBody>
-      </p:sp>
-      <p:sp>
-        <p:nvSpPr>
-          <p:cNvPr id="235" name="Google Shape;235;p29"/>
-          <p:cNvSpPr txBox="1">
-            <a:spLocks noGrp="1"/>
-          </p:cNvSpPr>
-          <p:nvPr>
-            <p:ph type="body" idx="2"/>
-          </p:nvPr>
-        </p:nvSpPr>
-        <p:spPr>
-          <a:xfrm>
-            <a:off x="3692250" y="1179281"/>
-            <a:ext cx="2403600" cy="1206000"/>
-          </a:xfrm>
-          <a:prstGeom prst="rect">
-            <a:avLst/>
-          </a:prstGeom>
-        </p:spPr>
-        <p:txBody>
-          <a:bodyPr spcFirstLastPara="1" wrap="square" lIns="91425" tIns="91425" rIns="91425" bIns="91425" anchor="t" anchorCtr="0">
-            <a:noAutofit/>
-          </a:bodyPr>
-          <a:lstStyle/>
-          <a:p>
-            <a:pPr marL="0" lvl="0" indent="0" algn="l" rtl="0">
-              <a:spcBef>
-                <a:spcPts val="600"/>
-              </a:spcBef>
-              <a:spcAft>
-                <a:spcPts val="0"/>
-              </a:spcAft>
-              <a:buNone/>
-            </a:pPr>
-            <a:r>
-              <a:rPr lang="en-US" b="1" dirty="0"/>
-              <a:t>Adapter Pattern</a:t>
-            </a:r>
-            <a:endParaRPr b="1" dirty="0"/>
-          </a:p>
-          <a:p>
-            <a:pPr marL="0" lvl="0" indent="0" algn="l" rtl="0">
-              <a:spcBef>
-                <a:spcPts val="600"/>
-              </a:spcBef>
-              <a:spcAft>
-                <a:spcPts val="0"/>
-              </a:spcAft>
-              <a:buNone/>
-            </a:pPr>
-            <a:r>
-              <a:rPr lang="en-US" sz="1200" dirty="0"/>
-              <a:t>U</a:t>
-            </a:r>
-            <a:r>
-              <a:rPr lang="en" sz="1200" dirty="0"/>
-              <a:t>sed to prove the question when student participated in the competition.</a:t>
-            </a:r>
-            <a:endParaRPr sz="1200" dirty="0"/>
-          </a:p>
-        </p:txBody>
-      </p:sp>
-      <p:sp>
-        <p:nvSpPr>
-          <p:cNvPr id="236" name="Google Shape;236;p29"/>
-          <p:cNvSpPr txBox="1">
-            <a:spLocks noGrp="1"/>
-          </p:cNvSpPr>
-          <p:nvPr>
-            <p:ph type="body" idx="3"/>
-          </p:nvPr>
-        </p:nvSpPr>
-        <p:spPr>
-          <a:xfrm>
-            <a:off x="3692250" y="2756452"/>
-            <a:ext cx="2403600" cy="1206000"/>
-          </a:xfrm>
-          <a:prstGeom prst="rect">
-            <a:avLst/>
-          </a:prstGeom>
-        </p:spPr>
-        <p:txBody>
-          <a:bodyPr spcFirstLastPara="1" wrap="square" lIns="91425" tIns="91425" rIns="91425" bIns="91425" anchor="t" anchorCtr="0">
-            <a:noAutofit/>
-          </a:bodyPr>
-          <a:lstStyle/>
-          <a:p>
-            <a:pPr marL="0" lvl="0" indent="0" algn="l" rtl="0">
-              <a:spcBef>
-                <a:spcPts val="600"/>
-              </a:spcBef>
-              <a:spcAft>
-                <a:spcPts val="0"/>
-              </a:spcAft>
-              <a:buNone/>
-            </a:pPr>
-            <a:r>
-              <a:rPr lang="en-US" b="1" dirty="0"/>
-              <a:t>Dictionary</a:t>
-            </a:r>
-            <a:endParaRPr b="1" dirty="0"/>
-          </a:p>
-          <a:p>
-            <a:pPr marL="0" lvl="0" indent="0" algn="l" rtl="0">
-              <a:spcBef>
-                <a:spcPts val="600"/>
-              </a:spcBef>
-              <a:spcAft>
-                <a:spcPts val="0"/>
-              </a:spcAft>
-              <a:buNone/>
-            </a:pPr>
-            <a:r>
-              <a:rPr lang="en-US" sz="1200" dirty="0"/>
-              <a:t>Used to store question numbers and questions.</a:t>
-            </a:r>
-            <a:endParaRPr sz="1200" dirty="0"/>
-          </a:p>
-        </p:txBody>
-      </p:sp>
-      <p:sp>
-        <p:nvSpPr>
-          <p:cNvPr id="237" name="Google Shape;237;p29"/>
-          <p:cNvSpPr txBox="1">
-            <a:spLocks noGrp="1"/>
-          </p:cNvSpPr>
-          <p:nvPr>
-            <p:ph type="body" idx="1"/>
-          </p:nvPr>
-        </p:nvSpPr>
-        <p:spPr>
-          <a:xfrm>
-            <a:off x="1188424" y="2756452"/>
-            <a:ext cx="2403600" cy="1206000"/>
-          </a:xfrm>
-          <a:prstGeom prst="rect">
-            <a:avLst/>
-          </a:prstGeom>
-        </p:spPr>
-        <p:txBody>
-          <a:bodyPr spcFirstLastPara="1" wrap="square" lIns="91425" tIns="91425" rIns="91425" bIns="91425" anchor="t" anchorCtr="0">
-            <a:noAutofit/>
-          </a:bodyPr>
-          <a:lstStyle/>
-          <a:p>
-            <a:pPr marL="0" lvl="0" indent="0" algn="l" rtl="0">
-              <a:spcBef>
-                <a:spcPts val="600"/>
-              </a:spcBef>
-              <a:spcAft>
-                <a:spcPts val="0"/>
-              </a:spcAft>
-              <a:buNone/>
-            </a:pPr>
-            <a:r>
-              <a:rPr lang="en-US" b="1" dirty="0" err="1"/>
-              <a:t>ArrayList</a:t>
-            </a:r>
-            <a:r>
-              <a:rPr lang="en-US" b="1" dirty="0"/>
-              <a:t> </a:t>
-            </a:r>
-            <a:endParaRPr b="1" dirty="0"/>
-          </a:p>
-          <a:p>
-            <a:pPr marL="0" lvl="0" indent="0" algn="l" rtl="0">
-              <a:spcBef>
-                <a:spcPts val="600"/>
-              </a:spcBef>
-              <a:spcAft>
-                <a:spcPts val="0"/>
-              </a:spcAft>
-              <a:buNone/>
-            </a:pPr>
-            <a:r>
-              <a:rPr lang="en" sz="1200" dirty="0"/>
-              <a:t>Used to store Student’s data.</a:t>
-            </a:r>
-            <a:endParaRPr sz="1200" dirty="0"/>
-          </a:p>
-        </p:txBody>
-      </p:sp>
-      <p:sp>
-        <p:nvSpPr>
           <p:cNvPr id="270" name="Google Shape;270;p29"/>
           <p:cNvSpPr txBox="1">
             <a:spLocks noGrp="1"/>
@@ -7337,10 +7456,268 @@
       </p:sp>
       <p:sp>
         <p:nvSpPr>
-          <p:cNvPr id="9" name="Google Shape;234;p29">
+          <p:cNvPr id="30" name="Google Shape;233;p29">
             <a:extLst>
               <a:ext uri="{FF2B5EF4-FFF2-40B4-BE49-F238E27FC236}">
-                <a16:creationId xmlns:a16="http://schemas.microsoft.com/office/drawing/2014/main" id="{78996D50-817F-4FAA-8A1C-FB84300CE4EF}"/>
+                <a16:creationId xmlns:a16="http://schemas.microsoft.com/office/drawing/2014/main" id="{5DC25D0D-6E99-4CBC-ADCE-82A4D1C850E2}"/>
+              </a:ext>
+            </a:extLst>
+          </p:cNvPr>
+          <p:cNvSpPr txBox="1">
+            <a:spLocks noGrp="1"/>
+          </p:cNvSpPr>
+          <p:nvPr>
+            <p:ph type="title"/>
+          </p:nvPr>
+        </p:nvSpPr>
+        <p:spPr>
+          <a:xfrm>
+            <a:off x="1039105" y="308314"/>
+            <a:ext cx="6858000" cy="345000"/>
+          </a:xfrm>
+          <a:prstGeom prst="rect">
+            <a:avLst/>
+          </a:prstGeom>
+        </p:spPr>
+        <p:txBody>
+          <a:bodyPr spcFirstLastPara="1" wrap="square" lIns="91425" tIns="91425" rIns="91425" bIns="91425" anchor="b" anchorCtr="0">
+            <a:noAutofit/>
+          </a:bodyPr>
+          <a:lstStyle/>
+          <a:p>
+            <a:pPr marL="0" lvl="0" indent="0" algn="l" rtl="0">
+              <a:spcBef>
+                <a:spcPts val="0"/>
+              </a:spcBef>
+              <a:spcAft>
+                <a:spcPts val="0"/>
+              </a:spcAft>
+              <a:buNone/>
+            </a:pPr>
+            <a:r>
+              <a:rPr lang="en" sz="3600" b="1" dirty="0"/>
+              <a:t>Summary</a:t>
+            </a:r>
+            <a:endParaRPr sz="3600" b="1" dirty="0"/>
+          </a:p>
+        </p:txBody>
+      </p:sp>
+      <p:sp>
+        <p:nvSpPr>
+          <p:cNvPr id="31" name="Google Shape;234;p29">
+            <a:extLst>
+              <a:ext uri="{FF2B5EF4-FFF2-40B4-BE49-F238E27FC236}">
+                <a16:creationId xmlns:a16="http://schemas.microsoft.com/office/drawing/2014/main" id="{AEAE2560-4657-487A-B3F1-FAADB51B3D19}"/>
+              </a:ext>
+            </a:extLst>
+          </p:cNvPr>
+          <p:cNvSpPr txBox="1">
+            <a:spLocks noGrp="1"/>
+          </p:cNvSpPr>
+          <p:nvPr>
+            <p:ph type="body" idx="1"/>
+          </p:nvPr>
+        </p:nvSpPr>
+        <p:spPr>
+          <a:xfrm>
+            <a:off x="6393907" y="155866"/>
+            <a:ext cx="2403600" cy="1206000"/>
+          </a:xfrm>
+          <a:prstGeom prst="rect">
+            <a:avLst/>
+          </a:prstGeom>
+        </p:spPr>
+        <p:txBody>
+          <a:bodyPr spcFirstLastPara="1" wrap="square" lIns="91425" tIns="91425" rIns="91425" bIns="91425" anchor="t" anchorCtr="0">
+            <a:noAutofit/>
+          </a:bodyPr>
+          <a:lstStyle/>
+          <a:p>
+            <a:pPr marL="0" lvl="0" indent="0" algn="l" rtl="0">
+              <a:spcBef>
+                <a:spcPts val="600"/>
+              </a:spcBef>
+              <a:spcAft>
+                <a:spcPts val="0"/>
+              </a:spcAft>
+              <a:buNone/>
+            </a:pPr>
+            <a:r>
+              <a:rPr lang="en-US" b="1" dirty="0"/>
+              <a:t>Factory and Singleton Patterns</a:t>
+            </a:r>
+          </a:p>
+          <a:p>
+            <a:pPr marL="0" lvl="0" indent="0" algn="l" rtl="0">
+              <a:spcBef>
+                <a:spcPts val="600"/>
+              </a:spcBef>
+              <a:spcAft>
+                <a:spcPts val="0"/>
+              </a:spcAft>
+              <a:buNone/>
+            </a:pPr>
+            <a:r>
+              <a:rPr lang="en-US" sz="1200" dirty="0"/>
+              <a:t>Used to get Grade for the new Student.</a:t>
+            </a:r>
+            <a:endParaRPr sz="1200" dirty="0"/>
+          </a:p>
+        </p:txBody>
+      </p:sp>
+      <p:sp>
+        <p:nvSpPr>
+          <p:cNvPr id="32" name="Google Shape;235;p29">
+            <a:extLst>
+              <a:ext uri="{FF2B5EF4-FFF2-40B4-BE49-F238E27FC236}">
+                <a16:creationId xmlns:a16="http://schemas.microsoft.com/office/drawing/2014/main" id="{A441850C-D6EB-4420-97C6-78539E98EF13}"/>
+              </a:ext>
+            </a:extLst>
+          </p:cNvPr>
+          <p:cNvSpPr txBox="1">
+            <a:spLocks noGrp="1"/>
+          </p:cNvSpPr>
+          <p:nvPr>
+            <p:ph type="body" idx="2"/>
+          </p:nvPr>
+        </p:nvSpPr>
+        <p:spPr>
+          <a:xfrm>
+            <a:off x="1039105" y="1603718"/>
+            <a:ext cx="2403600" cy="1206000"/>
+          </a:xfrm>
+          <a:prstGeom prst="rect">
+            <a:avLst/>
+          </a:prstGeom>
+        </p:spPr>
+        <p:txBody>
+          <a:bodyPr spcFirstLastPara="1" wrap="square" lIns="91425" tIns="91425" rIns="91425" bIns="91425" anchor="t" anchorCtr="0">
+            <a:noAutofit/>
+          </a:bodyPr>
+          <a:lstStyle/>
+          <a:p>
+            <a:pPr marL="0" lvl="0" indent="0" algn="l" rtl="0">
+              <a:spcBef>
+                <a:spcPts val="600"/>
+              </a:spcBef>
+              <a:spcAft>
+                <a:spcPts val="0"/>
+              </a:spcAft>
+              <a:buNone/>
+            </a:pPr>
+            <a:r>
+              <a:rPr lang="en-US" b="1" dirty="0"/>
+              <a:t>Adapter Pattern</a:t>
+            </a:r>
+            <a:endParaRPr b="1" dirty="0"/>
+          </a:p>
+          <a:p>
+            <a:pPr marL="0" lvl="0" indent="0" algn="l" rtl="0">
+              <a:spcBef>
+                <a:spcPts val="600"/>
+              </a:spcBef>
+              <a:spcAft>
+                <a:spcPts val="0"/>
+              </a:spcAft>
+              <a:buNone/>
+            </a:pPr>
+            <a:r>
+              <a:rPr lang="en-US" sz="1200" dirty="0"/>
+              <a:t>U</a:t>
+            </a:r>
+            <a:r>
+              <a:rPr lang="en" sz="1200" dirty="0"/>
+              <a:t>sed to prove the question when student participated in the competition.</a:t>
+            </a:r>
+            <a:endParaRPr sz="1200" dirty="0"/>
+          </a:p>
+        </p:txBody>
+      </p:sp>
+      <p:sp>
+        <p:nvSpPr>
+          <p:cNvPr id="33" name="Google Shape;236;p29">
+            <a:extLst>
+              <a:ext uri="{FF2B5EF4-FFF2-40B4-BE49-F238E27FC236}">
+                <a16:creationId xmlns:a16="http://schemas.microsoft.com/office/drawing/2014/main" id="{FE18DED5-87D2-42F1-9465-6154CA790F9A}"/>
+              </a:ext>
+            </a:extLst>
+          </p:cNvPr>
+          <p:cNvSpPr txBox="1">
+            <a:spLocks noGrp="1"/>
+          </p:cNvSpPr>
+          <p:nvPr>
+            <p:ph type="body" idx="3"/>
+          </p:nvPr>
+        </p:nvSpPr>
+        <p:spPr>
+          <a:xfrm>
+            <a:off x="6511671" y="3048481"/>
+            <a:ext cx="2403600" cy="1786705"/>
+          </a:xfrm>
+          <a:prstGeom prst="rect">
+            <a:avLst/>
+          </a:prstGeom>
+        </p:spPr>
+        <p:txBody>
+          <a:bodyPr spcFirstLastPara="1" wrap="square" lIns="91425" tIns="91425" rIns="91425" bIns="91425" anchor="t" anchorCtr="0">
+            <a:noAutofit/>
+          </a:bodyPr>
+          <a:lstStyle/>
+          <a:p>
+            <a:pPr marL="0" lvl="0" indent="0" algn="l" rtl="0">
+              <a:spcBef>
+                <a:spcPts val="600"/>
+              </a:spcBef>
+              <a:spcAft>
+                <a:spcPts val="0"/>
+              </a:spcAft>
+              <a:buNone/>
+            </a:pPr>
+            <a:r>
+              <a:rPr lang="en-US" b="1" dirty="0"/>
+              <a:t>Dictionary</a:t>
+            </a:r>
+            <a:endParaRPr b="1" dirty="0"/>
+          </a:p>
+          <a:p>
+            <a:pPr marL="0" lvl="0" indent="0" algn="l" rtl="0">
+              <a:spcBef>
+                <a:spcPts val="600"/>
+              </a:spcBef>
+              <a:spcAft>
+                <a:spcPts val="0"/>
+              </a:spcAft>
+              <a:buNone/>
+            </a:pPr>
+            <a:r>
+              <a:rPr lang="en-US" sz="1200" dirty="0"/>
+              <a:t>1. Used to store question numbers and questions.</a:t>
+            </a:r>
+          </a:p>
+          <a:p>
+            <a:pPr marL="0" lvl="0" indent="0" algn="l" rtl="0">
+              <a:spcBef>
+                <a:spcPts val="600"/>
+              </a:spcBef>
+              <a:spcAft>
+                <a:spcPts val="0"/>
+              </a:spcAft>
+              <a:buNone/>
+            </a:pPr>
+            <a:r>
+              <a:rPr lang="en-US" sz="1200" dirty="0"/>
+              <a:t> 2. Used to store last name of employee(key) and total salary(value)</a:t>
+            </a:r>
+            <a:endParaRPr sz="1200" dirty="0"/>
+          </a:p>
+        </p:txBody>
+      </p:sp>
+      <p:sp>
+        <p:nvSpPr>
+          <p:cNvPr id="34" name="Google Shape;237;p29">
+            <a:extLst>
+              <a:ext uri="{FF2B5EF4-FFF2-40B4-BE49-F238E27FC236}">
+                <a16:creationId xmlns:a16="http://schemas.microsoft.com/office/drawing/2014/main" id="{22C3585C-A311-418A-97B5-2EE5222C91E3}"/>
               </a:ext>
             </a:extLst>
           </p:cNvPr>
@@ -7351,7 +7728,7 @@
         </p:nvSpPr>
         <p:spPr>
           <a:xfrm>
-            <a:off x="6280360" y="1179146"/>
+            <a:off x="3649007" y="3914060"/>
             <a:ext cx="2403600" cy="1206000"/>
           </a:xfrm>
           <a:prstGeom prst="rect">
@@ -7619,8 +7996,12 @@
               <a:buNone/>
             </a:pPr>
             <a:r>
+              <a:rPr lang="en-US" b="1" dirty="0" err="1"/>
+              <a:t>ArrayList</a:t>
+            </a:r>
+            <a:r>
               <a:rPr lang="en-US" b="1" dirty="0"/>
-              <a:t>Decorator Pattern</a:t>
+              <a:t> </a:t>
             </a:r>
           </a:p>
           <a:p>
@@ -7629,19 +8010,18 @@
               <a:buNone/>
             </a:pPr>
             <a:r>
-              <a:rPr lang="en-US" sz="1200" b="1" dirty="0"/>
-              <a:t>Used to calculate average mark of a student.</a:t>
+              <a:rPr lang="en-US" sz="1200" dirty="0"/>
+              <a:t>Used to store Student’s data.</a:t>
             </a:r>
-            <a:endParaRPr lang="en-US" sz="1200" dirty="0"/>
           </a:p>
         </p:txBody>
       </p:sp>
       <p:sp>
         <p:nvSpPr>
-          <p:cNvPr id="10" name="Google Shape;236;p29">
+          <p:cNvPr id="35" name="Google Shape;270;p29">
             <a:extLst>
               <a:ext uri="{FF2B5EF4-FFF2-40B4-BE49-F238E27FC236}">
-                <a16:creationId xmlns:a16="http://schemas.microsoft.com/office/drawing/2014/main" id="{8291A95E-99D2-4C87-9262-556A9F86F399}"/>
+                <a16:creationId xmlns:a16="http://schemas.microsoft.com/office/drawing/2014/main" id="{B7B1EAFF-B439-4428-99C4-998716846198}"/>
               </a:ext>
             </a:extLst>
           </p:cNvPr>
@@ -7652,7 +8032,286 @@
         </p:nvSpPr>
         <p:spPr>
           <a:xfrm>
-            <a:off x="6393907" y="2756452"/>
+            <a:off x="8523157" y="4752131"/>
+            <a:ext cx="548700" cy="315300"/>
+          </a:xfrm>
+          <a:prstGeom prst="rect">
+            <a:avLst/>
+          </a:prstGeom>
+          <a:noFill/>
+          <a:ln>
+            <a:noFill/>
+          </a:ln>
+        </p:spPr>
+        <p:txBody>
+          <a:bodyPr spcFirstLastPara="1" wrap="square" lIns="91425" tIns="91425" rIns="91425" bIns="91425" anchor="t" anchorCtr="0">
+            <a:noAutofit/>
+          </a:bodyPr>
+          <a:lstStyle>
+            <a:defPPr marR="0" lvl="0" algn="l" rtl="0">
+              <a:lnSpc>
+                <a:spcPct val="100000"/>
+              </a:lnSpc>
+              <a:spcBef>
+                <a:spcPts val="0"/>
+              </a:spcBef>
+              <a:spcAft>
+                <a:spcPts val="0"/>
+              </a:spcAft>
+            </a:defPPr>
+            <a:lvl1pPr marR="0" lvl="0" algn="r" rtl="0">
+              <a:lnSpc>
+                <a:spcPct val="100000"/>
+              </a:lnSpc>
+              <a:spcBef>
+                <a:spcPts val="0"/>
+              </a:spcBef>
+              <a:spcAft>
+                <a:spcPts val="0"/>
+              </a:spcAft>
+              <a:buClr>
+                <a:srgbClr val="000000"/>
+              </a:buClr>
+              <a:buFont typeface="Arial"/>
+              <a:buNone/>
+              <a:defRPr sz="1200" b="0" i="0" u="none" strike="noStrike" cap="none">
+                <a:solidFill>
+                  <a:schemeClr val="accent1"/>
+                </a:solidFill>
+                <a:latin typeface="Quicksand"/>
+                <a:ea typeface="Quicksand"/>
+                <a:cs typeface="Quicksand"/>
+                <a:sym typeface="Quicksand"/>
+              </a:defRPr>
+            </a:lvl1pPr>
+            <a:lvl2pPr marR="0" lvl="1" algn="r" rtl="0">
+              <a:lnSpc>
+                <a:spcPct val="100000"/>
+              </a:lnSpc>
+              <a:spcBef>
+                <a:spcPts val="0"/>
+              </a:spcBef>
+              <a:spcAft>
+                <a:spcPts val="0"/>
+              </a:spcAft>
+              <a:buClr>
+                <a:srgbClr val="000000"/>
+              </a:buClr>
+              <a:buFont typeface="Arial"/>
+              <a:buNone/>
+              <a:defRPr sz="1200" b="0" i="0" u="none" strike="noStrike" cap="none">
+                <a:solidFill>
+                  <a:schemeClr val="accent1"/>
+                </a:solidFill>
+                <a:latin typeface="Quicksand"/>
+                <a:ea typeface="Quicksand"/>
+                <a:cs typeface="Quicksand"/>
+                <a:sym typeface="Quicksand"/>
+              </a:defRPr>
+            </a:lvl2pPr>
+            <a:lvl3pPr marR="0" lvl="2" algn="r" rtl="0">
+              <a:lnSpc>
+                <a:spcPct val="100000"/>
+              </a:lnSpc>
+              <a:spcBef>
+                <a:spcPts val="0"/>
+              </a:spcBef>
+              <a:spcAft>
+                <a:spcPts val="0"/>
+              </a:spcAft>
+              <a:buClr>
+                <a:srgbClr val="000000"/>
+              </a:buClr>
+              <a:buFont typeface="Arial"/>
+              <a:buNone/>
+              <a:defRPr sz="1200" b="0" i="0" u="none" strike="noStrike" cap="none">
+                <a:solidFill>
+                  <a:schemeClr val="accent1"/>
+                </a:solidFill>
+                <a:latin typeface="Quicksand"/>
+                <a:ea typeface="Quicksand"/>
+                <a:cs typeface="Quicksand"/>
+                <a:sym typeface="Quicksand"/>
+              </a:defRPr>
+            </a:lvl3pPr>
+            <a:lvl4pPr marR="0" lvl="3" algn="r" rtl="0">
+              <a:lnSpc>
+                <a:spcPct val="100000"/>
+              </a:lnSpc>
+              <a:spcBef>
+                <a:spcPts val="0"/>
+              </a:spcBef>
+              <a:spcAft>
+                <a:spcPts val="0"/>
+              </a:spcAft>
+              <a:buClr>
+                <a:srgbClr val="000000"/>
+              </a:buClr>
+              <a:buFont typeface="Arial"/>
+              <a:buNone/>
+              <a:defRPr sz="1200" b="0" i="0" u="none" strike="noStrike" cap="none">
+                <a:solidFill>
+                  <a:schemeClr val="accent1"/>
+                </a:solidFill>
+                <a:latin typeface="Quicksand"/>
+                <a:ea typeface="Quicksand"/>
+                <a:cs typeface="Quicksand"/>
+                <a:sym typeface="Quicksand"/>
+              </a:defRPr>
+            </a:lvl4pPr>
+            <a:lvl5pPr marR="0" lvl="4" algn="r" rtl="0">
+              <a:lnSpc>
+                <a:spcPct val="100000"/>
+              </a:lnSpc>
+              <a:spcBef>
+                <a:spcPts val="0"/>
+              </a:spcBef>
+              <a:spcAft>
+                <a:spcPts val="0"/>
+              </a:spcAft>
+              <a:buClr>
+                <a:srgbClr val="000000"/>
+              </a:buClr>
+              <a:buFont typeface="Arial"/>
+              <a:buNone/>
+              <a:defRPr sz="1200" b="0" i="0" u="none" strike="noStrike" cap="none">
+                <a:solidFill>
+                  <a:schemeClr val="accent1"/>
+                </a:solidFill>
+                <a:latin typeface="Quicksand"/>
+                <a:ea typeface="Quicksand"/>
+                <a:cs typeface="Quicksand"/>
+                <a:sym typeface="Quicksand"/>
+              </a:defRPr>
+            </a:lvl5pPr>
+            <a:lvl6pPr marR="0" lvl="5" algn="r" rtl="0">
+              <a:lnSpc>
+                <a:spcPct val="100000"/>
+              </a:lnSpc>
+              <a:spcBef>
+                <a:spcPts val="0"/>
+              </a:spcBef>
+              <a:spcAft>
+                <a:spcPts val="0"/>
+              </a:spcAft>
+              <a:buClr>
+                <a:srgbClr val="000000"/>
+              </a:buClr>
+              <a:buFont typeface="Arial"/>
+              <a:buNone/>
+              <a:defRPr sz="1200" b="0" i="0" u="none" strike="noStrike" cap="none">
+                <a:solidFill>
+                  <a:schemeClr val="accent1"/>
+                </a:solidFill>
+                <a:latin typeface="Quicksand"/>
+                <a:ea typeface="Quicksand"/>
+                <a:cs typeface="Quicksand"/>
+                <a:sym typeface="Quicksand"/>
+              </a:defRPr>
+            </a:lvl6pPr>
+            <a:lvl7pPr marR="0" lvl="6" algn="r" rtl="0">
+              <a:lnSpc>
+                <a:spcPct val="100000"/>
+              </a:lnSpc>
+              <a:spcBef>
+                <a:spcPts val="0"/>
+              </a:spcBef>
+              <a:spcAft>
+                <a:spcPts val="0"/>
+              </a:spcAft>
+              <a:buClr>
+                <a:srgbClr val="000000"/>
+              </a:buClr>
+              <a:buFont typeface="Arial"/>
+              <a:buNone/>
+              <a:defRPr sz="1200" b="0" i="0" u="none" strike="noStrike" cap="none">
+                <a:solidFill>
+                  <a:schemeClr val="accent1"/>
+                </a:solidFill>
+                <a:latin typeface="Quicksand"/>
+                <a:ea typeface="Quicksand"/>
+                <a:cs typeface="Quicksand"/>
+                <a:sym typeface="Quicksand"/>
+              </a:defRPr>
+            </a:lvl7pPr>
+            <a:lvl8pPr marR="0" lvl="7" algn="r" rtl="0">
+              <a:lnSpc>
+                <a:spcPct val="100000"/>
+              </a:lnSpc>
+              <a:spcBef>
+                <a:spcPts val="0"/>
+              </a:spcBef>
+              <a:spcAft>
+                <a:spcPts val="0"/>
+              </a:spcAft>
+              <a:buClr>
+                <a:srgbClr val="000000"/>
+              </a:buClr>
+              <a:buFont typeface="Arial"/>
+              <a:buNone/>
+              <a:defRPr sz="1200" b="0" i="0" u="none" strike="noStrike" cap="none">
+                <a:solidFill>
+                  <a:schemeClr val="accent1"/>
+                </a:solidFill>
+                <a:latin typeface="Quicksand"/>
+                <a:ea typeface="Quicksand"/>
+                <a:cs typeface="Quicksand"/>
+                <a:sym typeface="Quicksand"/>
+              </a:defRPr>
+            </a:lvl8pPr>
+            <a:lvl9pPr marR="0" lvl="8" algn="r" rtl="0">
+              <a:lnSpc>
+                <a:spcPct val="100000"/>
+              </a:lnSpc>
+              <a:spcBef>
+                <a:spcPts val="0"/>
+              </a:spcBef>
+              <a:spcAft>
+                <a:spcPts val="0"/>
+              </a:spcAft>
+              <a:buClr>
+                <a:srgbClr val="000000"/>
+              </a:buClr>
+              <a:buFont typeface="Arial"/>
+              <a:buNone/>
+              <a:defRPr sz="1200" b="0" i="0" u="none" strike="noStrike" cap="none">
+                <a:solidFill>
+                  <a:schemeClr val="accent1"/>
+                </a:solidFill>
+                <a:latin typeface="Quicksand"/>
+                <a:ea typeface="Quicksand"/>
+                <a:cs typeface="Quicksand"/>
+                <a:sym typeface="Quicksand"/>
+              </a:defRPr>
+            </a:lvl9pPr>
+          </a:lstStyle>
+          <a:p>
+            <a:fld id="{00000000-1234-1234-1234-123412341234}" type="slidenum">
+              <a:rPr lang="en" smtClean="0"/>
+              <a:pPr/>
+              <a:t>14</a:t>
+            </a:fld>
+            <a:endParaRPr lang="en"/>
+          </a:p>
+        </p:txBody>
+      </p:sp>
+      <p:sp>
+        <p:nvSpPr>
+          <p:cNvPr id="36" name="Google Shape;234;p29">
+            <a:extLst>
+              <a:ext uri="{FF2B5EF4-FFF2-40B4-BE49-F238E27FC236}">
+                <a16:creationId xmlns:a16="http://schemas.microsoft.com/office/drawing/2014/main" id="{B5A1C311-2D34-4B57-B26F-AA80AD097C1F}"/>
+              </a:ext>
+            </a:extLst>
+          </p:cNvPr>
+          <p:cNvSpPr txBox="1">
+            <a:spLocks/>
+          </p:cNvSpPr>
+          <p:nvPr/>
+        </p:nvSpPr>
+        <p:spPr>
+          <a:xfrm>
+            <a:off x="3649007" y="1588287"/>
             <a:ext cx="2403600" cy="1206000"/>
           </a:xfrm>
           <a:prstGeom prst="rect">
@@ -7920,6 +8579,1508 @@
               <a:buNone/>
             </a:pPr>
             <a:r>
+              <a:rPr lang="en-US" b="1" dirty="0"/>
+              <a:t>Strategy Pattern</a:t>
+            </a:r>
+          </a:p>
+          <a:p>
+            <a:pPr marL="0" indent="0">
+              <a:buFont typeface="Quicksand"/>
+              <a:buNone/>
+            </a:pPr>
+            <a:r>
+              <a:rPr lang="en-US" sz="1200" dirty="0"/>
+              <a:t>Used to calculate bonus and total salary of employees.</a:t>
+            </a:r>
+          </a:p>
+        </p:txBody>
+      </p:sp>
+      <p:sp>
+        <p:nvSpPr>
+          <p:cNvPr id="37" name="Google Shape;234;p29">
+            <a:extLst>
+              <a:ext uri="{FF2B5EF4-FFF2-40B4-BE49-F238E27FC236}">
+                <a16:creationId xmlns:a16="http://schemas.microsoft.com/office/drawing/2014/main" id="{4A39618D-E276-4258-A0DA-1DCEB4D9675C}"/>
+              </a:ext>
+            </a:extLst>
+          </p:cNvPr>
+          <p:cNvSpPr txBox="1">
+            <a:spLocks/>
+          </p:cNvSpPr>
+          <p:nvPr/>
+        </p:nvSpPr>
+        <p:spPr>
+          <a:xfrm>
+            <a:off x="6393907" y="1588287"/>
+            <a:ext cx="2403600" cy="1206000"/>
+          </a:xfrm>
+          <a:prstGeom prst="rect">
+            <a:avLst/>
+          </a:prstGeom>
+          <a:noFill/>
+          <a:ln>
+            <a:noFill/>
+          </a:ln>
+        </p:spPr>
+        <p:txBody>
+          <a:bodyPr spcFirstLastPara="1" wrap="square" lIns="91425" tIns="91425" rIns="91425" bIns="91425" anchor="t" anchorCtr="0">
+            <a:noAutofit/>
+          </a:bodyPr>
+          <a:lstStyle>
+            <a:defPPr marR="0" lvl="0" algn="l" rtl="0">
+              <a:lnSpc>
+                <a:spcPct val="100000"/>
+              </a:lnSpc>
+              <a:spcBef>
+                <a:spcPts val="0"/>
+              </a:spcBef>
+              <a:spcAft>
+                <a:spcPts val="0"/>
+              </a:spcAft>
+            </a:defPPr>
+            <a:lvl1pPr marR="0" lvl="0" algn="l" rtl="0">
+              <a:lnSpc>
+                <a:spcPct val="100000"/>
+              </a:lnSpc>
+              <a:spcBef>
+                <a:spcPts val="0"/>
+              </a:spcBef>
+              <a:spcAft>
+                <a:spcPts val="0"/>
+              </a:spcAft>
+              <a:buClr>
+                <a:srgbClr val="000000"/>
+              </a:buClr>
+              <a:buFont typeface="Arial"/>
+              <a:defRPr sz="1400" b="0" i="0" u="none" strike="noStrike" cap="none">
+                <a:solidFill>
+                  <a:srgbClr val="000000"/>
+                </a:solidFill>
+                <a:latin typeface="Arial"/>
+                <a:ea typeface="Arial"/>
+                <a:cs typeface="Arial"/>
+                <a:sym typeface="Arial"/>
+              </a:defRPr>
+            </a:lvl1pPr>
+            <a:lvl2pPr marR="0" lvl="1" algn="l" rtl="0">
+              <a:lnSpc>
+                <a:spcPct val="100000"/>
+              </a:lnSpc>
+              <a:spcBef>
+                <a:spcPts val="0"/>
+              </a:spcBef>
+              <a:spcAft>
+                <a:spcPts val="0"/>
+              </a:spcAft>
+              <a:buClr>
+                <a:srgbClr val="000000"/>
+              </a:buClr>
+              <a:buFont typeface="Arial"/>
+              <a:defRPr sz="1400" b="0" i="0" u="none" strike="noStrike" cap="none">
+                <a:solidFill>
+                  <a:srgbClr val="000000"/>
+                </a:solidFill>
+                <a:latin typeface="Arial"/>
+                <a:ea typeface="Arial"/>
+                <a:cs typeface="Arial"/>
+                <a:sym typeface="Arial"/>
+              </a:defRPr>
+            </a:lvl2pPr>
+            <a:lvl3pPr marR="0" lvl="2" algn="l" rtl="0">
+              <a:lnSpc>
+                <a:spcPct val="100000"/>
+              </a:lnSpc>
+              <a:spcBef>
+                <a:spcPts val="0"/>
+              </a:spcBef>
+              <a:spcAft>
+                <a:spcPts val="0"/>
+              </a:spcAft>
+              <a:buClr>
+                <a:srgbClr val="000000"/>
+              </a:buClr>
+              <a:buFont typeface="Arial"/>
+              <a:defRPr sz="1400" b="0" i="0" u="none" strike="noStrike" cap="none">
+                <a:solidFill>
+                  <a:srgbClr val="000000"/>
+                </a:solidFill>
+                <a:latin typeface="Arial"/>
+                <a:ea typeface="Arial"/>
+                <a:cs typeface="Arial"/>
+                <a:sym typeface="Arial"/>
+              </a:defRPr>
+            </a:lvl3pPr>
+            <a:lvl4pPr marR="0" lvl="3" algn="l" rtl="0">
+              <a:lnSpc>
+                <a:spcPct val="100000"/>
+              </a:lnSpc>
+              <a:spcBef>
+                <a:spcPts val="0"/>
+              </a:spcBef>
+              <a:spcAft>
+                <a:spcPts val="0"/>
+              </a:spcAft>
+              <a:buClr>
+                <a:srgbClr val="000000"/>
+              </a:buClr>
+              <a:buFont typeface="Arial"/>
+              <a:defRPr sz="1400" b="0" i="0" u="none" strike="noStrike" cap="none">
+                <a:solidFill>
+                  <a:srgbClr val="000000"/>
+                </a:solidFill>
+                <a:latin typeface="Arial"/>
+                <a:ea typeface="Arial"/>
+                <a:cs typeface="Arial"/>
+                <a:sym typeface="Arial"/>
+              </a:defRPr>
+            </a:lvl4pPr>
+            <a:lvl5pPr marR="0" lvl="4" algn="l" rtl="0">
+              <a:lnSpc>
+                <a:spcPct val="100000"/>
+              </a:lnSpc>
+              <a:spcBef>
+                <a:spcPts val="0"/>
+              </a:spcBef>
+              <a:spcAft>
+                <a:spcPts val="0"/>
+              </a:spcAft>
+              <a:buClr>
+                <a:srgbClr val="000000"/>
+              </a:buClr>
+              <a:buFont typeface="Arial"/>
+              <a:defRPr sz="1400" b="0" i="0" u="none" strike="noStrike" cap="none">
+                <a:solidFill>
+                  <a:srgbClr val="000000"/>
+                </a:solidFill>
+                <a:latin typeface="Arial"/>
+                <a:ea typeface="Arial"/>
+                <a:cs typeface="Arial"/>
+                <a:sym typeface="Arial"/>
+              </a:defRPr>
+            </a:lvl5pPr>
+            <a:lvl6pPr marR="0" lvl="5" algn="l" rtl="0">
+              <a:lnSpc>
+                <a:spcPct val="100000"/>
+              </a:lnSpc>
+              <a:spcBef>
+                <a:spcPts val="0"/>
+              </a:spcBef>
+              <a:spcAft>
+                <a:spcPts val="0"/>
+              </a:spcAft>
+              <a:buClr>
+                <a:srgbClr val="000000"/>
+              </a:buClr>
+              <a:buFont typeface="Arial"/>
+              <a:defRPr sz="1400" b="0" i="0" u="none" strike="noStrike" cap="none">
+                <a:solidFill>
+                  <a:srgbClr val="000000"/>
+                </a:solidFill>
+                <a:latin typeface="Arial"/>
+                <a:ea typeface="Arial"/>
+                <a:cs typeface="Arial"/>
+                <a:sym typeface="Arial"/>
+              </a:defRPr>
+            </a:lvl6pPr>
+            <a:lvl7pPr marR="0" lvl="6" algn="l" rtl="0">
+              <a:lnSpc>
+                <a:spcPct val="100000"/>
+              </a:lnSpc>
+              <a:spcBef>
+                <a:spcPts val="0"/>
+              </a:spcBef>
+              <a:spcAft>
+                <a:spcPts val="0"/>
+              </a:spcAft>
+              <a:buClr>
+                <a:srgbClr val="000000"/>
+              </a:buClr>
+              <a:buFont typeface="Arial"/>
+              <a:defRPr sz="1400" b="0" i="0" u="none" strike="noStrike" cap="none">
+                <a:solidFill>
+                  <a:srgbClr val="000000"/>
+                </a:solidFill>
+                <a:latin typeface="Arial"/>
+                <a:ea typeface="Arial"/>
+                <a:cs typeface="Arial"/>
+                <a:sym typeface="Arial"/>
+              </a:defRPr>
+            </a:lvl7pPr>
+            <a:lvl8pPr marR="0" lvl="7" algn="l" rtl="0">
+              <a:lnSpc>
+                <a:spcPct val="100000"/>
+              </a:lnSpc>
+              <a:spcBef>
+                <a:spcPts val="0"/>
+              </a:spcBef>
+              <a:spcAft>
+                <a:spcPts val="0"/>
+              </a:spcAft>
+              <a:buClr>
+                <a:srgbClr val="000000"/>
+              </a:buClr>
+              <a:buFont typeface="Arial"/>
+              <a:defRPr sz="1400" b="0" i="0" u="none" strike="noStrike" cap="none">
+                <a:solidFill>
+                  <a:srgbClr val="000000"/>
+                </a:solidFill>
+                <a:latin typeface="Arial"/>
+                <a:ea typeface="Arial"/>
+                <a:cs typeface="Arial"/>
+                <a:sym typeface="Arial"/>
+              </a:defRPr>
+            </a:lvl8pPr>
+            <a:lvl9pPr marR="0" lvl="8" algn="l" rtl="0">
+              <a:lnSpc>
+                <a:spcPct val="100000"/>
+              </a:lnSpc>
+              <a:spcBef>
+                <a:spcPts val="0"/>
+              </a:spcBef>
+              <a:spcAft>
+                <a:spcPts val="0"/>
+              </a:spcAft>
+              <a:buClr>
+                <a:srgbClr val="000000"/>
+              </a:buClr>
+              <a:buFont typeface="Arial"/>
+              <a:defRPr sz="1400" b="0" i="0" u="none" strike="noStrike" cap="none">
+                <a:solidFill>
+                  <a:srgbClr val="000000"/>
+                </a:solidFill>
+                <a:latin typeface="Arial"/>
+                <a:ea typeface="Arial"/>
+                <a:cs typeface="Arial"/>
+                <a:sym typeface="Arial"/>
+              </a:defRPr>
+            </a:lvl9pPr>
+          </a:lstStyle>
+          <a:p>
+            <a:pPr>
+              <a:spcBef>
+                <a:spcPts val="600"/>
+              </a:spcBef>
+              <a:buClr>
+                <a:schemeClr val="accent1"/>
+              </a:buClr>
+              <a:buSzPts val="1800"/>
+            </a:pPr>
+            <a:r>
+              <a:rPr lang="en-US" sz="1800" b="1" dirty="0">
+                <a:solidFill>
+                  <a:schemeClr val="lt1"/>
+                </a:solidFill>
+                <a:latin typeface="Quicksand"/>
+                <a:sym typeface="Quicksand"/>
+              </a:rPr>
+              <a:t>Decorator Pattern</a:t>
+            </a:r>
+          </a:p>
+          <a:p>
+            <a:pPr>
+              <a:spcBef>
+                <a:spcPts val="600"/>
+              </a:spcBef>
+              <a:buClr>
+                <a:schemeClr val="accent1"/>
+              </a:buClr>
+              <a:buSzPts val="1800"/>
+            </a:pPr>
+            <a:r>
+              <a:rPr lang="en-US" sz="1200" dirty="0">
+                <a:solidFill>
+                  <a:schemeClr val="lt1"/>
+                </a:solidFill>
+                <a:latin typeface="Quicksand"/>
+                <a:sym typeface="Quicksand"/>
+              </a:rPr>
+              <a:t>Used to calculate average mark of a student.</a:t>
+            </a:r>
+          </a:p>
+        </p:txBody>
+      </p:sp>
+      <p:sp>
+        <p:nvSpPr>
+          <p:cNvPr id="38" name="Google Shape;237;p29">
+            <a:extLst>
+              <a:ext uri="{FF2B5EF4-FFF2-40B4-BE49-F238E27FC236}">
+                <a16:creationId xmlns:a16="http://schemas.microsoft.com/office/drawing/2014/main" id="{5016BCE8-AA2C-4CAB-B0AB-0A3E92E8C1CF}"/>
+              </a:ext>
+            </a:extLst>
+          </p:cNvPr>
+          <p:cNvSpPr txBox="1">
+            <a:spLocks/>
+          </p:cNvSpPr>
+          <p:nvPr/>
+        </p:nvSpPr>
+        <p:spPr>
+          <a:xfrm>
+            <a:off x="4166854" y="2899839"/>
+            <a:ext cx="2403600" cy="1206000"/>
+          </a:xfrm>
+          <a:prstGeom prst="rect">
+            <a:avLst/>
+          </a:prstGeom>
+          <a:noFill/>
+          <a:ln>
+            <a:noFill/>
+          </a:ln>
+        </p:spPr>
+        <p:txBody>
+          <a:bodyPr spcFirstLastPara="1" wrap="square" lIns="91425" tIns="91425" rIns="91425" bIns="91425" anchor="t" anchorCtr="0">
+            <a:noAutofit/>
+          </a:bodyPr>
+          <a:lstStyle>
+            <a:defPPr marR="0" lvl="0" algn="l" rtl="0">
+              <a:lnSpc>
+                <a:spcPct val="100000"/>
+              </a:lnSpc>
+              <a:spcBef>
+                <a:spcPts val="0"/>
+              </a:spcBef>
+              <a:spcAft>
+                <a:spcPts val="0"/>
+              </a:spcAft>
+            </a:defPPr>
+            <a:lvl1pPr marL="457200" marR="0" lvl="0" indent="-342900" algn="l" rtl="0">
+              <a:lnSpc>
+                <a:spcPct val="100000"/>
+              </a:lnSpc>
+              <a:spcBef>
+                <a:spcPts val="600"/>
+              </a:spcBef>
+              <a:spcAft>
+                <a:spcPts val="0"/>
+              </a:spcAft>
+              <a:buClr>
+                <a:schemeClr val="accent1"/>
+              </a:buClr>
+              <a:buSzPts val="1800"/>
+              <a:buFont typeface="Quicksand"/>
+              <a:buChar char="◦"/>
+              <a:defRPr sz="1800" b="0" i="0" u="none" strike="noStrike" cap="none">
+                <a:solidFill>
+                  <a:schemeClr val="lt1"/>
+                </a:solidFill>
+                <a:latin typeface="Quicksand"/>
+                <a:ea typeface="Quicksand"/>
+                <a:cs typeface="Quicksand"/>
+                <a:sym typeface="Quicksand"/>
+              </a:defRPr>
+            </a:lvl1pPr>
+            <a:lvl2pPr marL="914400" marR="0" lvl="1" indent="-342900" algn="l" rtl="0">
+              <a:lnSpc>
+                <a:spcPct val="100000"/>
+              </a:lnSpc>
+              <a:spcBef>
+                <a:spcPts val="0"/>
+              </a:spcBef>
+              <a:spcAft>
+                <a:spcPts val="0"/>
+              </a:spcAft>
+              <a:buClr>
+                <a:schemeClr val="accent1"/>
+              </a:buClr>
+              <a:buSzPts val="1800"/>
+              <a:buFont typeface="Quicksand"/>
+              <a:buChar char="▫"/>
+              <a:defRPr sz="1800" b="0" i="0" u="none" strike="noStrike" cap="none">
+                <a:solidFill>
+                  <a:schemeClr val="lt1"/>
+                </a:solidFill>
+                <a:latin typeface="Quicksand"/>
+                <a:ea typeface="Quicksand"/>
+                <a:cs typeface="Quicksand"/>
+                <a:sym typeface="Quicksand"/>
+              </a:defRPr>
+            </a:lvl2pPr>
+            <a:lvl3pPr marL="1371600" marR="0" lvl="2" indent="-342900" algn="l" rtl="0">
+              <a:lnSpc>
+                <a:spcPct val="100000"/>
+              </a:lnSpc>
+              <a:spcBef>
+                <a:spcPts val="0"/>
+              </a:spcBef>
+              <a:spcAft>
+                <a:spcPts val="0"/>
+              </a:spcAft>
+              <a:buClr>
+                <a:schemeClr val="accent1"/>
+              </a:buClr>
+              <a:buSzPts val="1800"/>
+              <a:buFont typeface="Quicksand"/>
+              <a:buChar char="■"/>
+              <a:defRPr sz="1800" b="0" i="0" u="none" strike="noStrike" cap="none">
+                <a:solidFill>
+                  <a:schemeClr val="lt1"/>
+                </a:solidFill>
+                <a:latin typeface="Quicksand"/>
+                <a:ea typeface="Quicksand"/>
+                <a:cs typeface="Quicksand"/>
+                <a:sym typeface="Quicksand"/>
+              </a:defRPr>
+            </a:lvl3pPr>
+            <a:lvl4pPr marL="1828800" marR="0" lvl="3" indent="-342900" algn="l" rtl="0">
+              <a:lnSpc>
+                <a:spcPct val="100000"/>
+              </a:lnSpc>
+              <a:spcBef>
+                <a:spcPts val="0"/>
+              </a:spcBef>
+              <a:spcAft>
+                <a:spcPts val="0"/>
+              </a:spcAft>
+              <a:buClr>
+                <a:schemeClr val="lt1"/>
+              </a:buClr>
+              <a:buSzPts val="1800"/>
+              <a:buFont typeface="Quicksand"/>
+              <a:buChar char="●"/>
+              <a:defRPr sz="1800" b="0" i="0" u="none" strike="noStrike" cap="none">
+                <a:solidFill>
+                  <a:schemeClr val="lt1"/>
+                </a:solidFill>
+                <a:latin typeface="Quicksand"/>
+                <a:ea typeface="Quicksand"/>
+                <a:cs typeface="Quicksand"/>
+                <a:sym typeface="Quicksand"/>
+              </a:defRPr>
+            </a:lvl4pPr>
+            <a:lvl5pPr marL="2286000" marR="0" lvl="4" indent="-342900" algn="l" rtl="0">
+              <a:lnSpc>
+                <a:spcPct val="100000"/>
+              </a:lnSpc>
+              <a:spcBef>
+                <a:spcPts val="0"/>
+              </a:spcBef>
+              <a:spcAft>
+                <a:spcPts val="0"/>
+              </a:spcAft>
+              <a:buClr>
+                <a:schemeClr val="lt1"/>
+              </a:buClr>
+              <a:buSzPts val="1800"/>
+              <a:buFont typeface="Quicksand"/>
+              <a:buChar char="○"/>
+              <a:defRPr sz="1800" b="0" i="0" u="none" strike="noStrike" cap="none">
+                <a:solidFill>
+                  <a:schemeClr val="lt1"/>
+                </a:solidFill>
+                <a:latin typeface="Quicksand"/>
+                <a:ea typeface="Quicksand"/>
+                <a:cs typeface="Quicksand"/>
+                <a:sym typeface="Quicksand"/>
+              </a:defRPr>
+            </a:lvl5pPr>
+            <a:lvl6pPr marL="2743200" marR="0" lvl="5" indent="-342900" algn="l" rtl="0">
+              <a:lnSpc>
+                <a:spcPct val="100000"/>
+              </a:lnSpc>
+              <a:spcBef>
+                <a:spcPts val="0"/>
+              </a:spcBef>
+              <a:spcAft>
+                <a:spcPts val="0"/>
+              </a:spcAft>
+              <a:buClr>
+                <a:schemeClr val="lt1"/>
+              </a:buClr>
+              <a:buSzPts val="1800"/>
+              <a:buFont typeface="Quicksand"/>
+              <a:buChar char="■"/>
+              <a:defRPr sz="1800" b="0" i="0" u="none" strike="noStrike" cap="none">
+                <a:solidFill>
+                  <a:schemeClr val="lt1"/>
+                </a:solidFill>
+                <a:latin typeface="Quicksand"/>
+                <a:ea typeface="Quicksand"/>
+                <a:cs typeface="Quicksand"/>
+                <a:sym typeface="Quicksand"/>
+              </a:defRPr>
+            </a:lvl6pPr>
+            <a:lvl7pPr marL="3200400" marR="0" lvl="6" indent="-342900" algn="l" rtl="0">
+              <a:lnSpc>
+                <a:spcPct val="100000"/>
+              </a:lnSpc>
+              <a:spcBef>
+                <a:spcPts val="0"/>
+              </a:spcBef>
+              <a:spcAft>
+                <a:spcPts val="0"/>
+              </a:spcAft>
+              <a:buClr>
+                <a:schemeClr val="lt1"/>
+              </a:buClr>
+              <a:buSzPts val="1800"/>
+              <a:buFont typeface="Quicksand"/>
+              <a:buChar char="●"/>
+              <a:defRPr sz="1800" b="0" i="0" u="none" strike="noStrike" cap="none">
+                <a:solidFill>
+                  <a:schemeClr val="lt1"/>
+                </a:solidFill>
+                <a:latin typeface="Quicksand"/>
+                <a:ea typeface="Quicksand"/>
+                <a:cs typeface="Quicksand"/>
+                <a:sym typeface="Quicksand"/>
+              </a:defRPr>
+            </a:lvl7pPr>
+            <a:lvl8pPr marL="3657600" marR="0" lvl="7" indent="-342900" algn="l" rtl="0">
+              <a:lnSpc>
+                <a:spcPct val="100000"/>
+              </a:lnSpc>
+              <a:spcBef>
+                <a:spcPts val="0"/>
+              </a:spcBef>
+              <a:spcAft>
+                <a:spcPts val="0"/>
+              </a:spcAft>
+              <a:buClr>
+                <a:schemeClr val="lt1"/>
+              </a:buClr>
+              <a:buSzPts val="1800"/>
+              <a:buFont typeface="Quicksand"/>
+              <a:buChar char="○"/>
+              <a:defRPr sz="1800" b="0" i="0" u="none" strike="noStrike" cap="none">
+                <a:solidFill>
+                  <a:schemeClr val="lt1"/>
+                </a:solidFill>
+                <a:latin typeface="Quicksand"/>
+                <a:ea typeface="Quicksand"/>
+                <a:cs typeface="Quicksand"/>
+                <a:sym typeface="Quicksand"/>
+              </a:defRPr>
+            </a:lvl8pPr>
+            <a:lvl9pPr marL="4114800" marR="0" lvl="8" indent="-342900" algn="l" rtl="0">
+              <a:lnSpc>
+                <a:spcPct val="100000"/>
+              </a:lnSpc>
+              <a:spcBef>
+                <a:spcPts val="0"/>
+              </a:spcBef>
+              <a:spcAft>
+                <a:spcPts val="0"/>
+              </a:spcAft>
+              <a:buClr>
+                <a:schemeClr val="lt1"/>
+              </a:buClr>
+              <a:buSzPts val="1800"/>
+              <a:buFont typeface="Quicksand"/>
+              <a:buChar char="■"/>
+              <a:defRPr sz="1800" b="0" i="0" u="none" strike="noStrike" cap="none">
+                <a:solidFill>
+                  <a:schemeClr val="lt1"/>
+                </a:solidFill>
+                <a:latin typeface="Quicksand"/>
+                <a:ea typeface="Quicksand"/>
+                <a:cs typeface="Quicksand"/>
+                <a:sym typeface="Quicksand"/>
+              </a:defRPr>
+            </a:lvl9pPr>
+          </a:lstStyle>
+          <a:p>
+            <a:pPr marL="0" indent="0">
+              <a:buFont typeface="Quicksand"/>
+              <a:buNone/>
+            </a:pPr>
+            <a:r>
+              <a:rPr lang="en-US" b="1" dirty="0"/>
+              <a:t>List </a:t>
+            </a:r>
+          </a:p>
+          <a:p>
+            <a:pPr marL="0" indent="0">
+              <a:buFont typeface="Quicksand"/>
+              <a:buNone/>
+            </a:pPr>
+            <a:r>
+              <a:rPr lang="en-US" sz="1200" dirty="0"/>
+              <a:t>Used to store total salary of employees</a:t>
+            </a:r>
+          </a:p>
+        </p:txBody>
+      </p:sp>
+      <p:sp>
+        <p:nvSpPr>
+          <p:cNvPr id="39" name="Google Shape;237;p29">
+            <a:extLst>
+              <a:ext uri="{FF2B5EF4-FFF2-40B4-BE49-F238E27FC236}">
+                <a16:creationId xmlns:a16="http://schemas.microsoft.com/office/drawing/2014/main" id="{9F708FC4-010F-4B4C-964A-A0411F512AFA}"/>
+              </a:ext>
+            </a:extLst>
+          </p:cNvPr>
+          <p:cNvSpPr txBox="1">
+            <a:spLocks/>
+          </p:cNvSpPr>
+          <p:nvPr/>
+        </p:nvSpPr>
+        <p:spPr>
+          <a:xfrm>
+            <a:off x="3709663" y="743904"/>
+            <a:ext cx="1995064" cy="707727"/>
+          </a:xfrm>
+          <a:prstGeom prst="rect">
+            <a:avLst/>
+          </a:prstGeom>
+          <a:noFill/>
+          <a:ln>
+            <a:noFill/>
+          </a:ln>
+        </p:spPr>
+        <p:txBody>
+          <a:bodyPr spcFirstLastPara="1" wrap="square" lIns="91425" tIns="91425" rIns="91425" bIns="91425" anchor="t" anchorCtr="0">
+            <a:noAutofit/>
+          </a:bodyPr>
+          <a:lstStyle>
+            <a:defPPr marR="0" lvl="0" algn="l" rtl="0">
+              <a:lnSpc>
+                <a:spcPct val="100000"/>
+              </a:lnSpc>
+              <a:spcBef>
+                <a:spcPts val="0"/>
+              </a:spcBef>
+              <a:spcAft>
+                <a:spcPts val="0"/>
+              </a:spcAft>
+            </a:defPPr>
+            <a:lvl1pPr marL="457200" marR="0" lvl="0" indent="-342900" algn="l" rtl="0">
+              <a:lnSpc>
+                <a:spcPct val="100000"/>
+              </a:lnSpc>
+              <a:spcBef>
+                <a:spcPts val="600"/>
+              </a:spcBef>
+              <a:spcAft>
+                <a:spcPts val="0"/>
+              </a:spcAft>
+              <a:buClr>
+                <a:schemeClr val="accent1"/>
+              </a:buClr>
+              <a:buSzPts val="1800"/>
+              <a:buFont typeface="Quicksand"/>
+              <a:buChar char="◦"/>
+              <a:defRPr sz="1800" b="0" i="0" u="none" strike="noStrike" cap="none">
+                <a:solidFill>
+                  <a:schemeClr val="lt1"/>
+                </a:solidFill>
+                <a:latin typeface="Quicksand"/>
+                <a:ea typeface="Quicksand"/>
+                <a:cs typeface="Quicksand"/>
+                <a:sym typeface="Quicksand"/>
+              </a:defRPr>
+            </a:lvl1pPr>
+            <a:lvl2pPr marL="914400" marR="0" lvl="1" indent="-342900" algn="l" rtl="0">
+              <a:lnSpc>
+                <a:spcPct val="100000"/>
+              </a:lnSpc>
+              <a:spcBef>
+                <a:spcPts val="0"/>
+              </a:spcBef>
+              <a:spcAft>
+                <a:spcPts val="0"/>
+              </a:spcAft>
+              <a:buClr>
+                <a:schemeClr val="accent1"/>
+              </a:buClr>
+              <a:buSzPts val="1800"/>
+              <a:buFont typeface="Quicksand"/>
+              <a:buChar char="▫"/>
+              <a:defRPr sz="1800" b="0" i="0" u="none" strike="noStrike" cap="none">
+                <a:solidFill>
+                  <a:schemeClr val="lt1"/>
+                </a:solidFill>
+                <a:latin typeface="Quicksand"/>
+                <a:ea typeface="Quicksand"/>
+                <a:cs typeface="Quicksand"/>
+                <a:sym typeface="Quicksand"/>
+              </a:defRPr>
+            </a:lvl2pPr>
+            <a:lvl3pPr marL="1371600" marR="0" lvl="2" indent="-342900" algn="l" rtl="0">
+              <a:lnSpc>
+                <a:spcPct val="100000"/>
+              </a:lnSpc>
+              <a:spcBef>
+                <a:spcPts val="0"/>
+              </a:spcBef>
+              <a:spcAft>
+                <a:spcPts val="0"/>
+              </a:spcAft>
+              <a:buClr>
+                <a:schemeClr val="accent1"/>
+              </a:buClr>
+              <a:buSzPts val="1800"/>
+              <a:buFont typeface="Quicksand"/>
+              <a:buChar char="■"/>
+              <a:defRPr sz="1800" b="0" i="0" u="none" strike="noStrike" cap="none">
+                <a:solidFill>
+                  <a:schemeClr val="lt1"/>
+                </a:solidFill>
+                <a:latin typeface="Quicksand"/>
+                <a:ea typeface="Quicksand"/>
+                <a:cs typeface="Quicksand"/>
+                <a:sym typeface="Quicksand"/>
+              </a:defRPr>
+            </a:lvl3pPr>
+            <a:lvl4pPr marL="1828800" marR="0" lvl="3" indent="-342900" algn="l" rtl="0">
+              <a:lnSpc>
+                <a:spcPct val="100000"/>
+              </a:lnSpc>
+              <a:spcBef>
+                <a:spcPts val="0"/>
+              </a:spcBef>
+              <a:spcAft>
+                <a:spcPts val="0"/>
+              </a:spcAft>
+              <a:buClr>
+                <a:schemeClr val="lt1"/>
+              </a:buClr>
+              <a:buSzPts val="1800"/>
+              <a:buFont typeface="Quicksand"/>
+              <a:buChar char="●"/>
+              <a:defRPr sz="1800" b="0" i="0" u="none" strike="noStrike" cap="none">
+                <a:solidFill>
+                  <a:schemeClr val="lt1"/>
+                </a:solidFill>
+                <a:latin typeface="Quicksand"/>
+                <a:ea typeface="Quicksand"/>
+                <a:cs typeface="Quicksand"/>
+                <a:sym typeface="Quicksand"/>
+              </a:defRPr>
+            </a:lvl4pPr>
+            <a:lvl5pPr marL="2286000" marR="0" lvl="4" indent="-342900" algn="l" rtl="0">
+              <a:lnSpc>
+                <a:spcPct val="100000"/>
+              </a:lnSpc>
+              <a:spcBef>
+                <a:spcPts val="0"/>
+              </a:spcBef>
+              <a:spcAft>
+                <a:spcPts val="0"/>
+              </a:spcAft>
+              <a:buClr>
+                <a:schemeClr val="lt1"/>
+              </a:buClr>
+              <a:buSzPts val="1800"/>
+              <a:buFont typeface="Quicksand"/>
+              <a:buChar char="○"/>
+              <a:defRPr sz="1800" b="0" i="0" u="none" strike="noStrike" cap="none">
+                <a:solidFill>
+                  <a:schemeClr val="lt1"/>
+                </a:solidFill>
+                <a:latin typeface="Quicksand"/>
+                <a:ea typeface="Quicksand"/>
+                <a:cs typeface="Quicksand"/>
+                <a:sym typeface="Quicksand"/>
+              </a:defRPr>
+            </a:lvl5pPr>
+            <a:lvl6pPr marL="2743200" marR="0" lvl="5" indent="-342900" algn="l" rtl="0">
+              <a:lnSpc>
+                <a:spcPct val="100000"/>
+              </a:lnSpc>
+              <a:spcBef>
+                <a:spcPts val="0"/>
+              </a:spcBef>
+              <a:spcAft>
+                <a:spcPts val="0"/>
+              </a:spcAft>
+              <a:buClr>
+                <a:schemeClr val="lt1"/>
+              </a:buClr>
+              <a:buSzPts val="1800"/>
+              <a:buFont typeface="Quicksand"/>
+              <a:buChar char="■"/>
+              <a:defRPr sz="1800" b="0" i="0" u="none" strike="noStrike" cap="none">
+                <a:solidFill>
+                  <a:schemeClr val="lt1"/>
+                </a:solidFill>
+                <a:latin typeface="Quicksand"/>
+                <a:ea typeface="Quicksand"/>
+                <a:cs typeface="Quicksand"/>
+                <a:sym typeface="Quicksand"/>
+              </a:defRPr>
+            </a:lvl6pPr>
+            <a:lvl7pPr marL="3200400" marR="0" lvl="6" indent="-342900" algn="l" rtl="0">
+              <a:lnSpc>
+                <a:spcPct val="100000"/>
+              </a:lnSpc>
+              <a:spcBef>
+                <a:spcPts val="0"/>
+              </a:spcBef>
+              <a:spcAft>
+                <a:spcPts val="0"/>
+              </a:spcAft>
+              <a:buClr>
+                <a:schemeClr val="lt1"/>
+              </a:buClr>
+              <a:buSzPts val="1800"/>
+              <a:buFont typeface="Quicksand"/>
+              <a:buChar char="●"/>
+              <a:defRPr sz="1800" b="0" i="0" u="none" strike="noStrike" cap="none">
+                <a:solidFill>
+                  <a:schemeClr val="lt1"/>
+                </a:solidFill>
+                <a:latin typeface="Quicksand"/>
+                <a:ea typeface="Quicksand"/>
+                <a:cs typeface="Quicksand"/>
+                <a:sym typeface="Quicksand"/>
+              </a:defRPr>
+            </a:lvl7pPr>
+            <a:lvl8pPr marL="3657600" marR="0" lvl="7" indent="-342900" algn="l" rtl="0">
+              <a:lnSpc>
+                <a:spcPct val="100000"/>
+              </a:lnSpc>
+              <a:spcBef>
+                <a:spcPts val="0"/>
+              </a:spcBef>
+              <a:spcAft>
+                <a:spcPts val="0"/>
+              </a:spcAft>
+              <a:buClr>
+                <a:schemeClr val="lt1"/>
+              </a:buClr>
+              <a:buSzPts val="1800"/>
+              <a:buFont typeface="Quicksand"/>
+              <a:buChar char="○"/>
+              <a:defRPr sz="1800" b="0" i="0" u="none" strike="noStrike" cap="none">
+                <a:solidFill>
+                  <a:schemeClr val="lt1"/>
+                </a:solidFill>
+                <a:latin typeface="Quicksand"/>
+                <a:ea typeface="Quicksand"/>
+                <a:cs typeface="Quicksand"/>
+                <a:sym typeface="Quicksand"/>
+              </a:defRPr>
+            </a:lvl8pPr>
+            <a:lvl9pPr marL="4114800" marR="0" lvl="8" indent="-342900" algn="l" rtl="0">
+              <a:lnSpc>
+                <a:spcPct val="100000"/>
+              </a:lnSpc>
+              <a:spcBef>
+                <a:spcPts val="0"/>
+              </a:spcBef>
+              <a:spcAft>
+                <a:spcPts val="0"/>
+              </a:spcAft>
+              <a:buClr>
+                <a:schemeClr val="lt1"/>
+              </a:buClr>
+              <a:buSzPts val="1800"/>
+              <a:buFont typeface="Quicksand"/>
+              <a:buChar char="■"/>
+              <a:defRPr sz="1800" b="0" i="0" u="none" strike="noStrike" cap="none">
+                <a:solidFill>
+                  <a:schemeClr val="lt1"/>
+                </a:solidFill>
+                <a:latin typeface="Quicksand"/>
+                <a:ea typeface="Quicksand"/>
+                <a:cs typeface="Quicksand"/>
+                <a:sym typeface="Quicksand"/>
+              </a:defRPr>
+            </a:lvl9pPr>
+          </a:lstStyle>
+          <a:p>
+            <a:pPr marL="0" indent="0">
+              <a:buFont typeface="Quicksand"/>
+              <a:buNone/>
+            </a:pPr>
+            <a:r>
+              <a:rPr lang="en-US" sz="3200" b="1" dirty="0">
+                <a:solidFill>
+                  <a:schemeClr val="accent1"/>
+                </a:solidFill>
+              </a:rPr>
+              <a:t>Patterns</a:t>
+            </a:r>
+            <a:endParaRPr lang="en-US" sz="3200" dirty="0">
+              <a:solidFill>
+                <a:schemeClr val="accent1"/>
+              </a:solidFill>
+            </a:endParaRPr>
+          </a:p>
+        </p:txBody>
+      </p:sp>
+      <p:sp>
+        <p:nvSpPr>
+          <p:cNvPr id="40" name="Google Shape;237;p29">
+            <a:extLst>
+              <a:ext uri="{FF2B5EF4-FFF2-40B4-BE49-F238E27FC236}">
+                <a16:creationId xmlns:a16="http://schemas.microsoft.com/office/drawing/2014/main" id="{034994D7-CAA5-45C0-A3DF-11A1945076DD}"/>
+              </a:ext>
+            </a:extLst>
+          </p:cNvPr>
+          <p:cNvSpPr txBox="1">
+            <a:spLocks/>
+          </p:cNvSpPr>
+          <p:nvPr/>
+        </p:nvSpPr>
+        <p:spPr>
+          <a:xfrm>
+            <a:off x="890015" y="2993777"/>
+            <a:ext cx="3349476" cy="782218"/>
+          </a:xfrm>
+          <a:prstGeom prst="rect">
+            <a:avLst/>
+          </a:prstGeom>
+          <a:noFill/>
+          <a:ln>
+            <a:noFill/>
+          </a:ln>
+        </p:spPr>
+        <p:txBody>
+          <a:bodyPr spcFirstLastPara="1" wrap="square" lIns="91425" tIns="91425" rIns="91425" bIns="91425" anchor="t" anchorCtr="0">
+            <a:noAutofit/>
+          </a:bodyPr>
+          <a:lstStyle>
+            <a:defPPr marR="0" lvl="0" algn="l" rtl="0">
+              <a:lnSpc>
+                <a:spcPct val="100000"/>
+              </a:lnSpc>
+              <a:spcBef>
+                <a:spcPts val="0"/>
+              </a:spcBef>
+              <a:spcAft>
+                <a:spcPts val="0"/>
+              </a:spcAft>
+            </a:defPPr>
+            <a:lvl1pPr marL="457200" marR="0" lvl="0" indent="-342900" algn="l" rtl="0">
+              <a:lnSpc>
+                <a:spcPct val="100000"/>
+              </a:lnSpc>
+              <a:spcBef>
+                <a:spcPts val="600"/>
+              </a:spcBef>
+              <a:spcAft>
+                <a:spcPts val="0"/>
+              </a:spcAft>
+              <a:buClr>
+                <a:schemeClr val="accent1"/>
+              </a:buClr>
+              <a:buSzPts val="1800"/>
+              <a:buFont typeface="Quicksand"/>
+              <a:buChar char="◦"/>
+              <a:defRPr sz="1800" b="0" i="0" u="none" strike="noStrike" cap="none">
+                <a:solidFill>
+                  <a:schemeClr val="lt1"/>
+                </a:solidFill>
+                <a:latin typeface="Quicksand"/>
+                <a:ea typeface="Quicksand"/>
+                <a:cs typeface="Quicksand"/>
+                <a:sym typeface="Quicksand"/>
+              </a:defRPr>
+            </a:lvl1pPr>
+            <a:lvl2pPr marL="914400" marR="0" lvl="1" indent="-342900" algn="l" rtl="0">
+              <a:lnSpc>
+                <a:spcPct val="100000"/>
+              </a:lnSpc>
+              <a:spcBef>
+                <a:spcPts val="0"/>
+              </a:spcBef>
+              <a:spcAft>
+                <a:spcPts val="0"/>
+              </a:spcAft>
+              <a:buClr>
+                <a:schemeClr val="accent1"/>
+              </a:buClr>
+              <a:buSzPts val="1800"/>
+              <a:buFont typeface="Quicksand"/>
+              <a:buChar char="▫"/>
+              <a:defRPr sz="1800" b="0" i="0" u="none" strike="noStrike" cap="none">
+                <a:solidFill>
+                  <a:schemeClr val="lt1"/>
+                </a:solidFill>
+                <a:latin typeface="Quicksand"/>
+                <a:ea typeface="Quicksand"/>
+                <a:cs typeface="Quicksand"/>
+                <a:sym typeface="Quicksand"/>
+              </a:defRPr>
+            </a:lvl2pPr>
+            <a:lvl3pPr marL="1371600" marR="0" lvl="2" indent="-342900" algn="l" rtl="0">
+              <a:lnSpc>
+                <a:spcPct val="100000"/>
+              </a:lnSpc>
+              <a:spcBef>
+                <a:spcPts val="0"/>
+              </a:spcBef>
+              <a:spcAft>
+                <a:spcPts val="0"/>
+              </a:spcAft>
+              <a:buClr>
+                <a:schemeClr val="accent1"/>
+              </a:buClr>
+              <a:buSzPts val="1800"/>
+              <a:buFont typeface="Quicksand"/>
+              <a:buChar char="■"/>
+              <a:defRPr sz="1800" b="0" i="0" u="none" strike="noStrike" cap="none">
+                <a:solidFill>
+                  <a:schemeClr val="lt1"/>
+                </a:solidFill>
+                <a:latin typeface="Quicksand"/>
+                <a:ea typeface="Quicksand"/>
+                <a:cs typeface="Quicksand"/>
+                <a:sym typeface="Quicksand"/>
+              </a:defRPr>
+            </a:lvl3pPr>
+            <a:lvl4pPr marL="1828800" marR="0" lvl="3" indent="-342900" algn="l" rtl="0">
+              <a:lnSpc>
+                <a:spcPct val="100000"/>
+              </a:lnSpc>
+              <a:spcBef>
+                <a:spcPts val="0"/>
+              </a:spcBef>
+              <a:spcAft>
+                <a:spcPts val="0"/>
+              </a:spcAft>
+              <a:buClr>
+                <a:schemeClr val="lt1"/>
+              </a:buClr>
+              <a:buSzPts val="1800"/>
+              <a:buFont typeface="Quicksand"/>
+              <a:buChar char="●"/>
+              <a:defRPr sz="1800" b="0" i="0" u="none" strike="noStrike" cap="none">
+                <a:solidFill>
+                  <a:schemeClr val="lt1"/>
+                </a:solidFill>
+                <a:latin typeface="Quicksand"/>
+                <a:ea typeface="Quicksand"/>
+                <a:cs typeface="Quicksand"/>
+                <a:sym typeface="Quicksand"/>
+              </a:defRPr>
+            </a:lvl4pPr>
+            <a:lvl5pPr marL="2286000" marR="0" lvl="4" indent="-342900" algn="l" rtl="0">
+              <a:lnSpc>
+                <a:spcPct val="100000"/>
+              </a:lnSpc>
+              <a:spcBef>
+                <a:spcPts val="0"/>
+              </a:spcBef>
+              <a:spcAft>
+                <a:spcPts val="0"/>
+              </a:spcAft>
+              <a:buClr>
+                <a:schemeClr val="lt1"/>
+              </a:buClr>
+              <a:buSzPts val="1800"/>
+              <a:buFont typeface="Quicksand"/>
+              <a:buChar char="○"/>
+              <a:defRPr sz="1800" b="0" i="0" u="none" strike="noStrike" cap="none">
+                <a:solidFill>
+                  <a:schemeClr val="lt1"/>
+                </a:solidFill>
+                <a:latin typeface="Quicksand"/>
+                <a:ea typeface="Quicksand"/>
+                <a:cs typeface="Quicksand"/>
+                <a:sym typeface="Quicksand"/>
+              </a:defRPr>
+            </a:lvl5pPr>
+            <a:lvl6pPr marL="2743200" marR="0" lvl="5" indent="-342900" algn="l" rtl="0">
+              <a:lnSpc>
+                <a:spcPct val="100000"/>
+              </a:lnSpc>
+              <a:spcBef>
+                <a:spcPts val="0"/>
+              </a:spcBef>
+              <a:spcAft>
+                <a:spcPts val="0"/>
+              </a:spcAft>
+              <a:buClr>
+                <a:schemeClr val="lt1"/>
+              </a:buClr>
+              <a:buSzPts val="1800"/>
+              <a:buFont typeface="Quicksand"/>
+              <a:buChar char="■"/>
+              <a:defRPr sz="1800" b="0" i="0" u="none" strike="noStrike" cap="none">
+                <a:solidFill>
+                  <a:schemeClr val="lt1"/>
+                </a:solidFill>
+                <a:latin typeface="Quicksand"/>
+                <a:ea typeface="Quicksand"/>
+                <a:cs typeface="Quicksand"/>
+                <a:sym typeface="Quicksand"/>
+              </a:defRPr>
+            </a:lvl6pPr>
+            <a:lvl7pPr marL="3200400" marR="0" lvl="6" indent="-342900" algn="l" rtl="0">
+              <a:lnSpc>
+                <a:spcPct val="100000"/>
+              </a:lnSpc>
+              <a:spcBef>
+                <a:spcPts val="0"/>
+              </a:spcBef>
+              <a:spcAft>
+                <a:spcPts val="0"/>
+              </a:spcAft>
+              <a:buClr>
+                <a:schemeClr val="lt1"/>
+              </a:buClr>
+              <a:buSzPts val="1800"/>
+              <a:buFont typeface="Quicksand"/>
+              <a:buChar char="●"/>
+              <a:defRPr sz="1800" b="0" i="0" u="none" strike="noStrike" cap="none">
+                <a:solidFill>
+                  <a:schemeClr val="lt1"/>
+                </a:solidFill>
+                <a:latin typeface="Quicksand"/>
+                <a:ea typeface="Quicksand"/>
+                <a:cs typeface="Quicksand"/>
+                <a:sym typeface="Quicksand"/>
+              </a:defRPr>
+            </a:lvl7pPr>
+            <a:lvl8pPr marL="3657600" marR="0" lvl="7" indent="-342900" algn="l" rtl="0">
+              <a:lnSpc>
+                <a:spcPct val="100000"/>
+              </a:lnSpc>
+              <a:spcBef>
+                <a:spcPts val="0"/>
+              </a:spcBef>
+              <a:spcAft>
+                <a:spcPts val="0"/>
+              </a:spcAft>
+              <a:buClr>
+                <a:schemeClr val="lt1"/>
+              </a:buClr>
+              <a:buSzPts val="1800"/>
+              <a:buFont typeface="Quicksand"/>
+              <a:buChar char="○"/>
+              <a:defRPr sz="1800" b="0" i="0" u="none" strike="noStrike" cap="none">
+                <a:solidFill>
+                  <a:schemeClr val="lt1"/>
+                </a:solidFill>
+                <a:latin typeface="Quicksand"/>
+                <a:ea typeface="Quicksand"/>
+                <a:cs typeface="Quicksand"/>
+                <a:sym typeface="Quicksand"/>
+              </a:defRPr>
+            </a:lvl8pPr>
+            <a:lvl9pPr marL="4114800" marR="0" lvl="8" indent="-342900" algn="l" rtl="0">
+              <a:lnSpc>
+                <a:spcPct val="100000"/>
+              </a:lnSpc>
+              <a:spcBef>
+                <a:spcPts val="0"/>
+              </a:spcBef>
+              <a:spcAft>
+                <a:spcPts val="0"/>
+              </a:spcAft>
+              <a:buClr>
+                <a:schemeClr val="lt1"/>
+              </a:buClr>
+              <a:buSzPts val="1800"/>
+              <a:buFont typeface="Quicksand"/>
+              <a:buChar char="■"/>
+              <a:defRPr sz="1800" b="0" i="0" u="none" strike="noStrike" cap="none">
+                <a:solidFill>
+                  <a:schemeClr val="lt1"/>
+                </a:solidFill>
+                <a:latin typeface="Quicksand"/>
+                <a:ea typeface="Quicksand"/>
+                <a:cs typeface="Quicksand"/>
+                <a:sym typeface="Quicksand"/>
+              </a:defRPr>
+            </a:lvl9pPr>
+          </a:lstStyle>
+          <a:p>
+            <a:pPr marL="0" indent="0">
+              <a:buFont typeface="Quicksand"/>
+              <a:buNone/>
+            </a:pPr>
+            <a:r>
+              <a:rPr lang="en-US" sz="3200" b="1" dirty="0">
+                <a:solidFill>
+                  <a:schemeClr val="accent1"/>
+                </a:solidFill>
+              </a:rPr>
+              <a:t>Data Structure</a:t>
+            </a:r>
+            <a:endParaRPr lang="en-US" sz="3200" dirty="0">
+              <a:solidFill>
+                <a:schemeClr val="accent1"/>
+              </a:solidFill>
+            </a:endParaRPr>
+          </a:p>
+        </p:txBody>
+      </p:sp>
+      <p:sp>
+        <p:nvSpPr>
+          <p:cNvPr id="14" name="Google Shape;236;p29">
+            <a:extLst>
+              <a:ext uri="{FF2B5EF4-FFF2-40B4-BE49-F238E27FC236}">
+                <a16:creationId xmlns:a16="http://schemas.microsoft.com/office/drawing/2014/main" id="{3E1B5AEC-B05D-464C-A1C1-6FEA853D9B16}"/>
+              </a:ext>
+            </a:extLst>
+          </p:cNvPr>
+          <p:cNvSpPr txBox="1">
+            <a:spLocks/>
+          </p:cNvSpPr>
+          <p:nvPr/>
+        </p:nvSpPr>
+        <p:spPr>
+          <a:xfrm>
+            <a:off x="1026245" y="3861431"/>
+            <a:ext cx="2403600" cy="1206000"/>
+          </a:xfrm>
+          <a:prstGeom prst="rect">
+            <a:avLst/>
+          </a:prstGeom>
+          <a:noFill/>
+          <a:ln>
+            <a:noFill/>
+          </a:ln>
+        </p:spPr>
+        <p:txBody>
+          <a:bodyPr spcFirstLastPara="1" wrap="square" lIns="91425" tIns="91425" rIns="91425" bIns="91425" anchor="t" anchorCtr="0">
+            <a:noAutofit/>
+          </a:bodyPr>
+          <a:lstStyle>
+            <a:defPPr marR="0" lvl="0" algn="l" rtl="0">
+              <a:lnSpc>
+                <a:spcPct val="100000"/>
+              </a:lnSpc>
+              <a:spcBef>
+                <a:spcPts val="0"/>
+              </a:spcBef>
+              <a:spcAft>
+                <a:spcPts val="0"/>
+              </a:spcAft>
+            </a:defPPr>
+            <a:lvl1pPr marL="457200" marR="0" lvl="0" indent="-342900" algn="l" rtl="0">
+              <a:lnSpc>
+                <a:spcPct val="100000"/>
+              </a:lnSpc>
+              <a:spcBef>
+                <a:spcPts val="600"/>
+              </a:spcBef>
+              <a:spcAft>
+                <a:spcPts val="0"/>
+              </a:spcAft>
+              <a:buClr>
+                <a:schemeClr val="accent1"/>
+              </a:buClr>
+              <a:buSzPts val="1800"/>
+              <a:buFont typeface="Quicksand"/>
+              <a:buChar char="◦"/>
+              <a:defRPr sz="1800" b="0" i="0" u="none" strike="noStrike" cap="none">
+                <a:solidFill>
+                  <a:schemeClr val="lt1"/>
+                </a:solidFill>
+                <a:latin typeface="Quicksand"/>
+                <a:ea typeface="Quicksand"/>
+                <a:cs typeface="Quicksand"/>
+                <a:sym typeface="Quicksand"/>
+              </a:defRPr>
+            </a:lvl1pPr>
+            <a:lvl2pPr marL="914400" marR="0" lvl="1" indent="-342900" algn="l" rtl="0">
+              <a:lnSpc>
+                <a:spcPct val="100000"/>
+              </a:lnSpc>
+              <a:spcBef>
+                <a:spcPts val="0"/>
+              </a:spcBef>
+              <a:spcAft>
+                <a:spcPts val="0"/>
+              </a:spcAft>
+              <a:buClr>
+                <a:schemeClr val="accent1"/>
+              </a:buClr>
+              <a:buSzPts val="1800"/>
+              <a:buFont typeface="Quicksand"/>
+              <a:buChar char="▫"/>
+              <a:defRPr sz="1800" b="0" i="0" u="none" strike="noStrike" cap="none">
+                <a:solidFill>
+                  <a:schemeClr val="lt1"/>
+                </a:solidFill>
+                <a:latin typeface="Quicksand"/>
+                <a:ea typeface="Quicksand"/>
+                <a:cs typeface="Quicksand"/>
+                <a:sym typeface="Quicksand"/>
+              </a:defRPr>
+            </a:lvl2pPr>
+            <a:lvl3pPr marL="1371600" marR="0" lvl="2" indent="-342900" algn="l" rtl="0">
+              <a:lnSpc>
+                <a:spcPct val="100000"/>
+              </a:lnSpc>
+              <a:spcBef>
+                <a:spcPts val="0"/>
+              </a:spcBef>
+              <a:spcAft>
+                <a:spcPts val="0"/>
+              </a:spcAft>
+              <a:buClr>
+                <a:schemeClr val="accent1"/>
+              </a:buClr>
+              <a:buSzPts val="1800"/>
+              <a:buFont typeface="Quicksand"/>
+              <a:buChar char="■"/>
+              <a:defRPr sz="1800" b="0" i="0" u="none" strike="noStrike" cap="none">
+                <a:solidFill>
+                  <a:schemeClr val="lt1"/>
+                </a:solidFill>
+                <a:latin typeface="Quicksand"/>
+                <a:ea typeface="Quicksand"/>
+                <a:cs typeface="Quicksand"/>
+                <a:sym typeface="Quicksand"/>
+              </a:defRPr>
+            </a:lvl3pPr>
+            <a:lvl4pPr marL="1828800" marR="0" lvl="3" indent="-342900" algn="l" rtl="0">
+              <a:lnSpc>
+                <a:spcPct val="100000"/>
+              </a:lnSpc>
+              <a:spcBef>
+                <a:spcPts val="0"/>
+              </a:spcBef>
+              <a:spcAft>
+                <a:spcPts val="0"/>
+              </a:spcAft>
+              <a:buClr>
+                <a:schemeClr val="lt1"/>
+              </a:buClr>
+              <a:buSzPts val="1800"/>
+              <a:buFont typeface="Quicksand"/>
+              <a:buChar char="●"/>
+              <a:defRPr sz="1800" b="0" i="0" u="none" strike="noStrike" cap="none">
+                <a:solidFill>
+                  <a:schemeClr val="lt1"/>
+                </a:solidFill>
+                <a:latin typeface="Quicksand"/>
+                <a:ea typeface="Quicksand"/>
+                <a:cs typeface="Quicksand"/>
+                <a:sym typeface="Quicksand"/>
+              </a:defRPr>
+            </a:lvl4pPr>
+            <a:lvl5pPr marL="2286000" marR="0" lvl="4" indent="-342900" algn="l" rtl="0">
+              <a:lnSpc>
+                <a:spcPct val="100000"/>
+              </a:lnSpc>
+              <a:spcBef>
+                <a:spcPts val="0"/>
+              </a:spcBef>
+              <a:spcAft>
+                <a:spcPts val="0"/>
+              </a:spcAft>
+              <a:buClr>
+                <a:schemeClr val="lt1"/>
+              </a:buClr>
+              <a:buSzPts val="1800"/>
+              <a:buFont typeface="Quicksand"/>
+              <a:buChar char="○"/>
+              <a:defRPr sz="1800" b="0" i="0" u="none" strike="noStrike" cap="none">
+                <a:solidFill>
+                  <a:schemeClr val="lt1"/>
+                </a:solidFill>
+                <a:latin typeface="Quicksand"/>
+                <a:ea typeface="Quicksand"/>
+                <a:cs typeface="Quicksand"/>
+                <a:sym typeface="Quicksand"/>
+              </a:defRPr>
+            </a:lvl5pPr>
+            <a:lvl6pPr marL="2743200" marR="0" lvl="5" indent="-342900" algn="l" rtl="0">
+              <a:lnSpc>
+                <a:spcPct val="100000"/>
+              </a:lnSpc>
+              <a:spcBef>
+                <a:spcPts val="0"/>
+              </a:spcBef>
+              <a:spcAft>
+                <a:spcPts val="0"/>
+              </a:spcAft>
+              <a:buClr>
+                <a:schemeClr val="lt1"/>
+              </a:buClr>
+              <a:buSzPts val="1800"/>
+              <a:buFont typeface="Quicksand"/>
+              <a:buChar char="■"/>
+              <a:defRPr sz="1800" b="0" i="0" u="none" strike="noStrike" cap="none">
+                <a:solidFill>
+                  <a:schemeClr val="lt1"/>
+                </a:solidFill>
+                <a:latin typeface="Quicksand"/>
+                <a:ea typeface="Quicksand"/>
+                <a:cs typeface="Quicksand"/>
+                <a:sym typeface="Quicksand"/>
+              </a:defRPr>
+            </a:lvl6pPr>
+            <a:lvl7pPr marL="3200400" marR="0" lvl="6" indent="-342900" algn="l" rtl="0">
+              <a:lnSpc>
+                <a:spcPct val="100000"/>
+              </a:lnSpc>
+              <a:spcBef>
+                <a:spcPts val="0"/>
+              </a:spcBef>
+              <a:spcAft>
+                <a:spcPts val="0"/>
+              </a:spcAft>
+              <a:buClr>
+                <a:schemeClr val="lt1"/>
+              </a:buClr>
+              <a:buSzPts val="1800"/>
+              <a:buFont typeface="Quicksand"/>
+              <a:buChar char="●"/>
+              <a:defRPr sz="1800" b="0" i="0" u="none" strike="noStrike" cap="none">
+                <a:solidFill>
+                  <a:schemeClr val="lt1"/>
+                </a:solidFill>
+                <a:latin typeface="Quicksand"/>
+                <a:ea typeface="Quicksand"/>
+                <a:cs typeface="Quicksand"/>
+                <a:sym typeface="Quicksand"/>
+              </a:defRPr>
+            </a:lvl7pPr>
+            <a:lvl8pPr marL="3657600" marR="0" lvl="7" indent="-342900" algn="l" rtl="0">
+              <a:lnSpc>
+                <a:spcPct val="100000"/>
+              </a:lnSpc>
+              <a:spcBef>
+                <a:spcPts val="0"/>
+              </a:spcBef>
+              <a:spcAft>
+                <a:spcPts val="0"/>
+              </a:spcAft>
+              <a:buClr>
+                <a:schemeClr val="lt1"/>
+              </a:buClr>
+              <a:buSzPts val="1800"/>
+              <a:buFont typeface="Quicksand"/>
+              <a:buChar char="○"/>
+              <a:defRPr sz="1800" b="0" i="0" u="none" strike="noStrike" cap="none">
+                <a:solidFill>
+                  <a:schemeClr val="lt1"/>
+                </a:solidFill>
+                <a:latin typeface="Quicksand"/>
+                <a:ea typeface="Quicksand"/>
+                <a:cs typeface="Quicksand"/>
+                <a:sym typeface="Quicksand"/>
+              </a:defRPr>
+            </a:lvl8pPr>
+            <a:lvl9pPr marL="4114800" marR="0" lvl="8" indent="-342900" algn="l" rtl="0">
+              <a:lnSpc>
+                <a:spcPct val="100000"/>
+              </a:lnSpc>
+              <a:spcBef>
+                <a:spcPts val="0"/>
+              </a:spcBef>
+              <a:spcAft>
+                <a:spcPts val="0"/>
+              </a:spcAft>
+              <a:buClr>
+                <a:schemeClr val="lt1"/>
+              </a:buClr>
+              <a:buSzPts val="1800"/>
+              <a:buFont typeface="Quicksand"/>
+              <a:buChar char="■"/>
+              <a:defRPr sz="1800" b="0" i="0" u="none" strike="noStrike" cap="none">
+                <a:solidFill>
+                  <a:schemeClr val="lt1"/>
+                </a:solidFill>
+                <a:latin typeface="Quicksand"/>
+                <a:ea typeface="Quicksand"/>
+                <a:cs typeface="Quicksand"/>
+                <a:sym typeface="Quicksand"/>
+              </a:defRPr>
+            </a:lvl9pPr>
+          </a:lstStyle>
+          <a:p>
+            <a:pPr marL="0" indent="0">
+              <a:buFont typeface="Quicksand"/>
+              <a:buNone/>
+            </a:pPr>
+            <a:r>
               <a:rPr lang="en-CA" b="1" dirty="0" err="1"/>
               <a:t>Hashtable</a:t>
             </a:r>
@@ -7932,13 +10093,8 @@
             </a:pPr>
             <a:r>
               <a:rPr lang="en-CA" sz="1200" dirty="0"/>
-              <a:t>Used to store roll number and average </a:t>
+              <a:t>Used to store roll number and average of students.</a:t>
             </a:r>
-            <a:r>
-              <a:rPr lang="en-CA" sz="1200"/>
-              <a:t>of students.</a:t>
-            </a:r>
-            <a:endParaRPr lang="en-CA" sz="1200" dirty="0"/>
           </a:p>
         </p:txBody>
       </p:sp>
@@ -8343,14 +10499,19 @@
         </p:nvSpPr>
         <p:spPr>
           <a:xfrm>
-            <a:off x="1523500" y="4074666"/>
-            <a:ext cx="6767100" cy="677465"/>
+            <a:off x="1523500" y="3995359"/>
+            <a:ext cx="6767100" cy="914422"/>
           </a:xfrm>
         </p:spPr>
         <p:txBody>
           <a:bodyPr/>
           <a:lstStyle/>
           <a:p>
+            <a:pPr>
+              <a:lnSpc>
+                <a:spcPct val="150000"/>
+              </a:lnSpc>
+            </a:pPr>
             <a:r>
               <a:rPr lang="en-US" sz="1400" i="1" dirty="0">
                 <a:solidFill>
@@ -8361,13 +10522,19 @@
                 <a:ea typeface="Calibri" panose="020F0502020204030204" pitchFamily="34" charset="0"/>
                 <a:cs typeface="Times New Roman" panose="02020603050405020304" pitchFamily="18" charset="0"/>
               </a:rPr>
-              <a:t>Acceptance of a new student to the school. Check the grades and behavior. If grades are not good then enroll in the preparatory group. (Singleton and Factory patterns, dictionary and </a:t>
+              <a:t>Acceptance of a new student to the school. Check the grades and behavior. If grades are not good then enroll in the preparatory group. (Singleton and Factory patterns, </a:t>
             </a:r>
             <a:r>
-              <a:rPr lang="en-US" sz="1400" i="1" dirty="0" err="1">
-                <a:solidFill>
-                  <a:schemeClr val="bg1"/>
-                </a:solidFill>
+              <a:rPr lang="en-US" sz="1400" b="1" i="1" dirty="0">
+                <a:effectLst/>
+                <a:latin typeface="Calibri" panose="020F0502020204030204" pitchFamily="34" charset="0"/>
+                <a:ea typeface="Calibri" panose="020F0502020204030204" pitchFamily="34" charset="0"/>
+                <a:cs typeface="Times New Roman" panose="02020603050405020304" pitchFamily="18" charset="0"/>
+              </a:rPr>
+              <a:t>Dictionary and </a:t>
+            </a:r>
+            <a:r>
+              <a:rPr lang="en-US" sz="1400" b="1" i="1" dirty="0" err="1">
                 <a:latin typeface="Calibri" panose="020F0502020204030204" pitchFamily="34" charset="0"/>
                 <a:ea typeface="Calibri" panose="020F0502020204030204" pitchFamily="34" charset="0"/>
                 <a:cs typeface="Times New Roman" panose="02020603050405020304" pitchFamily="18" charset="0"/>
@@ -8375,10 +10542,7 @@
               <a:t>A</a:t>
             </a:r>
             <a:r>
-              <a:rPr lang="en-US" sz="1400" i="1" dirty="0" err="1">
-                <a:solidFill>
-                  <a:schemeClr val="bg1"/>
-                </a:solidFill>
+              <a:rPr lang="en-US" sz="1400" b="1" i="1" dirty="0" err="1">
                 <a:effectLst/>
                 <a:latin typeface="Calibri" panose="020F0502020204030204" pitchFamily="34" charset="0"/>
                 <a:ea typeface="Calibri" panose="020F0502020204030204" pitchFamily="34" charset="0"/>
@@ -8398,17 +10562,6 @@
               </a:rPr>
               <a:t>) </a:t>
             </a:r>
-            <a:br>
-              <a:rPr lang="ru-RU" sz="3200" dirty="0">
-                <a:solidFill>
-                  <a:schemeClr val="bg1"/>
-                </a:solidFill>
-                <a:effectLst/>
-                <a:latin typeface="Calibri" panose="020F0502020204030204" pitchFamily="34" charset="0"/>
-                <a:ea typeface="Calibri" panose="020F0502020204030204" pitchFamily="34" charset="0"/>
-                <a:cs typeface="Times New Roman" panose="02020603050405020304" pitchFamily="18" charset="0"/>
-              </a:rPr>
-            </a:br>
             <a:endParaRPr lang="ru-RU" dirty="0"/>
           </a:p>
         </p:txBody>
@@ -8435,7 +10588,7 @@
         </p:blipFill>
         <p:spPr>
           <a:xfrm>
-            <a:off x="1696405" y="162318"/>
+            <a:off x="1786089" y="189016"/>
             <a:ext cx="6241922" cy="3468584"/>
           </a:xfrm>
           <a:prstGeom prst="rect">
@@ -8443,6 +10596,51 @@
           </a:prstGeom>
         </p:spPr>
       </p:pic>
+      <p:sp>
+        <p:nvSpPr>
+          <p:cNvPr id="7" name="TextBox 6">
+            <a:extLst>
+              <a:ext uri="{FF2B5EF4-FFF2-40B4-BE49-F238E27FC236}">
+                <a16:creationId xmlns:a16="http://schemas.microsoft.com/office/drawing/2014/main" id="{F6140C3A-276A-411A-AB1B-8E1A849FB189}"/>
+              </a:ext>
+            </a:extLst>
+          </p:cNvPr>
+          <p:cNvSpPr txBox="1"/>
+          <p:nvPr/>
+        </p:nvSpPr>
+        <p:spPr>
+          <a:xfrm rot="16200000">
+            <a:off x="-2242713" y="2310139"/>
+            <a:ext cx="5143503" cy="523220"/>
+          </a:xfrm>
+          <a:prstGeom prst="rect">
+            <a:avLst/>
+          </a:prstGeom>
+          <a:noFill/>
+        </p:spPr>
+        <p:txBody>
+          <a:bodyPr wrap="square">
+            <a:spAutoFit/>
+          </a:bodyPr>
+          <a:lstStyle/>
+          <a:p>
+            <a:pPr algn="ctr">
+              <a:spcBef>
+                <a:spcPts val="600"/>
+              </a:spcBef>
+            </a:pPr>
+            <a:r>
+              <a:rPr lang="en-US" sz="2800" b="1" dirty="0">
+                <a:solidFill>
+                  <a:schemeClr val="accent1"/>
+                </a:solidFill>
+                <a:latin typeface="+mj-lt"/>
+              </a:rPr>
+              <a:t>Factory, Singleton Patterns </a:t>
+            </a:r>
+          </a:p>
+        </p:txBody>
+      </p:sp>
     </p:spTree>
   </p:cSld>
   <p:clrMapOvr>
@@ -8719,8 +10917,86 @@
                 <a:ea typeface="Calibri" panose="020F0502020204030204" pitchFamily="34" charset="0"/>
                 <a:cs typeface="Times New Roman" panose="02020603050405020304" pitchFamily="18" charset="0"/>
               </a:rPr>
-              <a:t>Here we use the Adapter Pattern.</a:t>
+              <a:t>Here we use the </a:t>
             </a:r>
+            <a:r>
+              <a:rPr lang="ru-RU" sz="1400" dirty="0" err="1">
+                <a:solidFill>
+                  <a:schemeClr val="bg1"/>
+                </a:solidFill>
+                <a:effectLst/>
+                <a:latin typeface="Calibri" panose="020F0502020204030204" pitchFamily="34" charset="0"/>
+                <a:ea typeface="Calibri" panose="020F0502020204030204" pitchFamily="34" charset="0"/>
+                <a:cs typeface="Times New Roman" panose="02020603050405020304" pitchFamily="18" charset="0"/>
+              </a:rPr>
+              <a:t>Adapter</a:t>
+            </a:r>
+            <a:r>
+              <a:rPr lang="ru-RU" sz="1400" dirty="0">
+                <a:solidFill>
+                  <a:schemeClr val="bg1"/>
+                </a:solidFill>
+                <a:effectLst/>
+                <a:latin typeface="Calibri" panose="020F0502020204030204" pitchFamily="34" charset="0"/>
+                <a:ea typeface="Calibri" panose="020F0502020204030204" pitchFamily="34" charset="0"/>
+                <a:cs typeface="Times New Roman" panose="02020603050405020304" pitchFamily="18" charset="0"/>
+              </a:rPr>
+              <a:t> </a:t>
+            </a:r>
+            <a:r>
+              <a:rPr lang="ru-RU" sz="1400" dirty="0" err="1">
+                <a:solidFill>
+                  <a:schemeClr val="bg1"/>
+                </a:solidFill>
+                <a:effectLst/>
+                <a:latin typeface="Calibri" panose="020F0502020204030204" pitchFamily="34" charset="0"/>
+                <a:ea typeface="Calibri" panose="020F0502020204030204" pitchFamily="34" charset="0"/>
+                <a:cs typeface="Times New Roman" panose="02020603050405020304" pitchFamily="18" charset="0"/>
+              </a:rPr>
+              <a:t>Pattern</a:t>
+            </a:r>
+            <a:r>
+              <a:rPr lang="en-US" sz="1400" dirty="0">
+                <a:solidFill>
+                  <a:schemeClr val="bg1"/>
+                </a:solidFill>
+                <a:effectLst/>
+                <a:latin typeface="Calibri" panose="020F0502020204030204" pitchFamily="34" charset="0"/>
+                <a:ea typeface="Calibri" panose="020F0502020204030204" pitchFamily="34" charset="0"/>
+                <a:cs typeface="Times New Roman" panose="02020603050405020304" pitchFamily="18" charset="0"/>
+              </a:rPr>
+              <a:t> and </a:t>
+            </a:r>
+            <a:r>
+              <a:rPr lang="en-US" sz="1400" b="1" dirty="0">
+                <a:effectLst/>
+                <a:latin typeface="Calibri" panose="020F0502020204030204" pitchFamily="34" charset="0"/>
+                <a:ea typeface="Calibri" panose="020F0502020204030204" pitchFamily="34" charset="0"/>
+                <a:cs typeface="Times New Roman" panose="02020603050405020304" pitchFamily="18" charset="0"/>
+              </a:rPr>
+              <a:t>Dictionary </a:t>
+            </a:r>
+            <a:r>
+              <a:rPr lang="en-US" sz="1400" dirty="0">
+                <a:solidFill>
+                  <a:schemeClr val="bg1"/>
+                </a:solidFill>
+                <a:effectLst/>
+                <a:latin typeface="Calibri" panose="020F0502020204030204" pitchFamily="34" charset="0"/>
+                <a:ea typeface="Calibri" panose="020F0502020204030204" pitchFamily="34" charset="0"/>
+                <a:cs typeface="Times New Roman" panose="02020603050405020304" pitchFamily="18" charset="0"/>
+              </a:rPr>
+              <a:t>as well.</a:t>
+            </a:r>
+            <a:endParaRPr lang="ru-RU" sz="1400" dirty="0">
+              <a:solidFill>
+                <a:schemeClr val="bg1"/>
+              </a:solidFill>
+              <a:effectLst/>
+              <a:latin typeface="Calibri" panose="020F0502020204030204" pitchFamily="34" charset="0"/>
+              <a:ea typeface="Calibri" panose="020F0502020204030204" pitchFamily="34" charset="0"/>
+              <a:cs typeface="Times New Roman" panose="02020603050405020304" pitchFamily="18" charset="0"/>
+            </a:endParaRPr>
           </a:p>
           <a:p>
             <a:pPr marL="0" lvl="0" indent="0" algn="l" rtl="0">
@@ -8812,6 +11088,51 @@
           </a:prstGeom>
         </p:spPr>
       </p:pic>
+      <p:sp>
+        <p:nvSpPr>
+          <p:cNvPr id="6" name="TextBox 5">
+            <a:extLst>
+              <a:ext uri="{FF2B5EF4-FFF2-40B4-BE49-F238E27FC236}">
+                <a16:creationId xmlns:a16="http://schemas.microsoft.com/office/drawing/2014/main" id="{163107F2-04A1-4F0B-89E0-0427EFD17BE1}"/>
+              </a:ext>
+            </a:extLst>
+          </p:cNvPr>
+          <p:cNvSpPr txBox="1"/>
+          <p:nvPr/>
+        </p:nvSpPr>
+        <p:spPr>
+          <a:xfrm rot="16200000">
+            <a:off x="-2055735" y="2272105"/>
+            <a:ext cx="5067431" cy="523220"/>
+          </a:xfrm>
+          <a:prstGeom prst="rect">
+            <a:avLst/>
+          </a:prstGeom>
+          <a:noFill/>
+        </p:spPr>
+        <p:txBody>
+          <a:bodyPr wrap="square">
+            <a:spAutoFit/>
+          </a:bodyPr>
+          <a:lstStyle/>
+          <a:p>
+            <a:pPr algn="ctr">
+              <a:spcBef>
+                <a:spcPts val="600"/>
+              </a:spcBef>
+            </a:pPr>
+            <a:r>
+              <a:rPr lang="en-US" sz="2800" b="1" dirty="0">
+                <a:solidFill>
+                  <a:schemeClr val="accent1"/>
+                </a:solidFill>
+                <a:latin typeface="+mj-lt"/>
+              </a:rPr>
+              <a:t>Adapter     Pattern </a:t>
+            </a:r>
+          </a:p>
+        </p:txBody>
+      </p:sp>
     </p:spTree>
   </p:cSld>
   <p:clrMapOvr>
@@ -9022,6 +11343,9 @@
           </a:p>
           <a:p>
             <a:pPr marL="0" lvl="0" indent="0" algn="l" rtl="0">
+              <a:lnSpc>
+                <a:spcPct val="150000"/>
+              </a:lnSpc>
               <a:spcBef>
                 <a:spcPts val="600"/>
               </a:spcBef>
@@ -9031,15 +11355,27 @@
               <a:buNone/>
             </a:pPr>
             <a:r>
-              <a:rPr lang="en-US" sz="1400" dirty="0"/>
-              <a:t>Here we used factory method to get the grade for the student and singleton for that grades. Used </a:t>
+              <a:rPr lang="en-US" sz="1200" i="1" dirty="0">
+                <a:latin typeface="Calibri" panose="020F0502020204030204" pitchFamily="34" charset="0"/>
+                <a:cs typeface="Calibri" panose="020F0502020204030204" pitchFamily="34" charset="0"/>
+              </a:rPr>
+              <a:t>Here we used Factory method to get the grade for the student and Singleton for that grades. Used </a:t>
             </a:r>
             <a:r>
-              <a:rPr lang="en-US" sz="1400" dirty="0" err="1"/>
+              <a:rPr lang="en-US" sz="1200" b="1" i="1" dirty="0" err="1">
+                <a:solidFill>
+                  <a:schemeClr val="accent1"/>
+                </a:solidFill>
+                <a:latin typeface="Calibri" panose="020F0502020204030204" pitchFamily="34" charset="0"/>
+                <a:cs typeface="Calibri" panose="020F0502020204030204" pitchFamily="34" charset="0"/>
+              </a:rPr>
               <a:t>ArrayList</a:t>
             </a:r>
             <a:r>
-              <a:rPr lang="en-US" sz="1400" dirty="0"/>
+              <a:rPr lang="en-US" sz="1200" i="1" dirty="0">
+                <a:latin typeface="Calibri" panose="020F0502020204030204" pitchFamily="34" charset="0"/>
+                <a:cs typeface="Calibri" panose="020F0502020204030204" pitchFamily="34" charset="0"/>
+              </a:rPr>
               <a:t> to store the current student data.  </a:t>
             </a:r>
           </a:p>
@@ -9053,7 +11389,10 @@
               </a:spcAft>
               <a:buNone/>
             </a:pPr>
-            <a:endParaRPr lang="en-US" sz="2400" dirty="0"/>
+            <a:endParaRPr lang="en-US" sz="2400" i="1" dirty="0">
+              <a:latin typeface="Times New Roman" panose="02020603050405020304" pitchFamily="18" charset="0"/>
+              <a:cs typeface="Times New Roman" panose="02020603050405020304" pitchFamily="18" charset="0"/>
+            </a:endParaRPr>
           </a:p>
           <a:p>
             <a:pPr marL="0" lvl="0" indent="0" algn="l" rtl="0">
@@ -9173,10 +11512,10 @@
       </p:sp>
       <p:pic>
         <p:nvPicPr>
-          <p:cNvPr id="3" name="Picture 2">
+          <p:cNvPr id="4" name="Picture 3">
             <a:extLst>
               <a:ext uri="{FF2B5EF4-FFF2-40B4-BE49-F238E27FC236}">
-                <a16:creationId xmlns:a16="http://schemas.microsoft.com/office/drawing/2014/main" id="{0798752E-B309-49B2-96E2-4C063D5F6E40}"/>
+                <a16:creationId xmlns:a16="http://schemas.microsoft.com/office/drawing/2014/main" id="{60F36A68-49F2-47D3-BD52-2B2A46482372}"/>
               </a:ext>
             </a:extLst>
           </p:cNvPr>
@@ -9193,8 +11532,8 @@
         </p:blipFill>
         <p:spPr>
           <a:xfrm>
-            <a:off x="1493810" y="739519"/>
-            <a:ext cx="7128315" cy="3353268"/>
+            <a:off x="1544800" y="820957"/>
+            <a:ext cx="6251539" cy="3287895"/>
           </a:xfrm>
           <a:prstGeom prst="rect">
             <a:avLst/>
@@ -9408,6 +11747,9 @@
           </a:p>
           <a:p>
             <a:pPr marL="0" lvl="0" indent="0" algn="l" rtl="0">
+              <a:lnSpc>
+                <a:spcPct val="150000"/>
+              </a:lnSpc>
               <a:spcBef>
                 <a:spcPts val="600"/>
               </a:spcBef>
@@ -9416,10 +11758,16 @@
               </a:spcAft>
               <a:buNone/>
             </a:pPr>
-            <a:endParaRPr lang="en-US" sz="1200" dirty="0"/>
+            <a:endParaRPr lang="en-US" sz="1200" dirty="0">
+              <a:latin typeface="Calibri" panose="020F0502020204030204" pitchFamily="34" charset="0"/>
+              <a:cs typeface="Calibri" panose="020F0502020204030204" pitchFamily="34" charset="0"/>
+            </a:endParaRPr>
           </a:p>
           <a:p>
             <a:pPr marL="0" lvl="0" indent="0" algn="l" rtl="0">
+              <a:lnSpc>
+                <a:spcPct val="150000"/>
+              </a:lnSpc>
               <a:spcBef>
                 <a:spcPts val="600"/>
               </a:spcBef>
@@ -9429,10 +11777,24 @@
               <a:buNone/>
             </a:pPr>
             <a:r>
-              <a:rPr lang="en-US" sz="1200" dirty="0"/>
+              <a:rPr lang="en-US" sz="1200" i="1" dirty="0">
+                <a:solidFill>
+                  <a:schemeClr val="bg1"/>
+                </a:solidFill>
+                <a:latin typeface="Calibri" panose="020F0502020204030204" pitchFamily="34" charset="0"/>
+                <a:cs typeface="Calibri" panose="020F0502020204030204" pitchFamily="34" charset="0"/>
+                <a:sym typeface="Arial"/>
+              </a:rPr>
               <a:t>Adapter Pattern used to prove the question. Student could explain but with adapter student could prove the question. Here we used dictionary for the questions.</a:t>
             </a:r>
-            <a:endParaRPr sz="1200" dirty="0"/>
+            <a:endParaRPr sz="1200" i="1" dirty="0">
+              <a:solidFill>
+                <a:schemeClr val="bg1"/>
+              </a:solidFill>
+              <a:latin typeface="Calibri" panose="020F0502020204030204" pitchFamily="34" charset="0"/>
+              <a:cs typeface="Calibri" panose="020F0502020204030204" pitchFamily="34" charset="0"/>
+              <a:sym typeface="Arial"/>
+            </a:endParaRPr>
           </a:p>
         </p:txBody>
       </p:sp>
@@ -9480,10 +11842,10 @@
       </p:sp>
       <p:pic>
         <p:nvPicPr>
-          <p:cNvPr id="3" name="Picture 2">
+          <p:cNvPr id="4" name="Picture 3">
             <a:extLst>
               <a:ext uri="{FF2B5EF4-FFF2-40B4-BE49-F238E27FC236}">
-                <a16:creationId xmlns:a16="http://schemas.microsoft.com/office/drawing/2014/main" id="{8A7738F0-10D4-494E-9E09-04EFF335F3FB}"/>
+                <a16:creationId xmlns:a16="http://schemas.microsoft.com/office/drawing/2014/main" id="{09B3B321-7967-446F-8F03-6696B6566723}"/>
               </a:ext>
             </a:extLst>
           </p:cNvPr>
@@ -9500,8 +11862,8 @@
         </p:blipFill>
         <p:spPr>
           <a:xfrm>
-            <a:off x="1275973" y="555321"/>
-            <a:ext cx="7497221" cy="2343477"/>
+            <a:off x="1217935" y="793654"/>
+            <a:ext cx="7557255" cy="1609149"/>
           </a:xfrm>
           <a:prstGeom prst="rect">
             <a:avLst/>
@@ -9695,7 +12057,7 @@
         </p:blipFill>
         <p:spPr>
           <a:xfrm>
-            <a:off x="1856509" y="209419"/>
+            <a:off x="3640875" y="726639"/>
             <a:ext cx="5430982" cy="3686759"/>
           </a:xfrm>
           <a:prstGeom prst="rect">
@@ -9762,8 +12124,8 @@
         </p:nvSpPr>
         <p:spPr>
           <a:xfrm>
-            <a:off x="1165474" y="3955674"/>
-            <a:ext cx="7718221" cy="954107"/>
+            <a:off x="1245052" y="1000653"/>
+            <a:ext cx="2201181" cy="3323987"/>
           </a:xfrm>
           <a:prstGeom prst="rect">
             <a:avLst/>
@@ -9803,7 +12165,7 @@
                 <a:latin typeface="Calibri" panose="020F0502020204030204" pitchFamily="34" charset="0"/>
                 <a:cs typeface="Calibri" panose="020F0502020204030204" pitchFamily="34" charset="0"/>
               </a:rPr>
-              <a:t> Pattern used for calculation the total salary of employee. The user have to provide the name of employee, salary rate and hire date. The first it will count the total work experience of employee(SYSDATE –hire date), from which will depend the bonus of current employee. </a:t>
+              <a:t> Pattern used for calculation the total salary of employee. The user have to provide the name of employee, salary  and hire date. The first it will count the total work experience of employee(SYSDATE –hire date), from which will depend the bonus of current employee. </a:t>
             </a:r>
             <a:r>
               <a:rPr lang="en-US" i="1" dirty="0">
@@ -9813,7 +12175,57 @@
                 <a:latin typeface="Calibri" panose="020F0502020204030204" pitchFamily="34" charset="0"/>
                 <a:cs typeface="Calibri" panose="020F0502020204030204" pitchFamily="34" charset="0"/>
               </a:rPr>
-              <a:t>We have three strategy of calculation, also we apply the Dictionary and List data structure.</a:t>
+              <a:t>We have three strategy of calculation, also we apply the </a:t>
+            </a:r>
+            <a:r>
+              <a:rPr lang="en-US" b="1" i="1" dirty="0">
+                <a:solidFill>
+                  <a:schemeClr val="accent1"/>
+                </a:solidFill>
+                <a:latin typeface="Calibri" panose="020F0502020204030204" pitchFamily="34" charset="0"/>
+                <a:cs typeface="Calibri" panose="020F0502020204030204" pitchFamily="34" charset="0"/>
+              </a:rPr>
+              <a:t>Dictionary</a:t>
+            </a:r>
+            <a:r>
+              <a:rPr lang="en-US" i="1" dirty="0">
+                <a:solidFill>
+                  <a:schemeClr val="accent1"/>
+                </a:solidFill>
+                <a:latin typeface="Calibri" panose="020F0502020204030204" pitchFamily="34" charset="0"/>
+                <a:cs typeface="Calibri" panose="020F0502020204030204" pitchFamily="34" charset="0"/>
+              </a:rPr>
+              <a:t> </a:t>
+            </a:r>
+            <a:r>
+              <a:rPr lang="en-US" i="1" dirty="0">
+                <a:solidFill>
+                  <a:schemeClr val="bg1"/>
+                </a:solidFill>
+                <a:latin typeface="Calibri" panose="020F0502020204030204" pitchFamily="34" charset="0"/>
+                <a:cs typeface="Calibri" panose="020F0502020204030204" pitchFamily="34" charset="0"/>
+              </a:rPr>
+              <a:t>and </a:t>
+            </a:r>
+            <a:r>
+              <a:rPr lang="en-US" b="1" i="1" dirty="0">
+                <a:solidFill>
+                  <a:schemeClr val="accent1"/>
+                </a:solidFill>
+                <a:latin typeface="Calibri" panose="020F0502020204030204" pitchFamily="34" charset="0"/>
+                <a:cs typeface="Calibri" panose="020F0502020204030204" pitchFamily="34" charset="0"/>
+              </a:rPr>
+              <a:t>List</a:t>
+            </a:r>
+            <a:r>
+              <a:rPr lang="en-US" i="1" dirty="0">
+                <a:solidFill>
+                  <a:schemeClr val="bg1"/>
+                </a:solidFill>
+                <a:latin typeface="Calibri" panose="020F0502020204030204" pitchFamily="34" charset="0"/>
+                <a:cs typeface="Calibri" panose="020F0502020204030204" pitchFamily="34" charset="0"/>
+              </a:rPr>
+              <a:t> data structure.</a:t>
             </a:r>
             <a:endParaRPr lang="en-US" sz="1400" i="1" dirty="0">
               <a:solidFill>
@@ -10045,10 +12457,6 @@
               </a:spcAft>
               <a:buNone/>
             </a:pPr>
-            <a:r>
-              <a:rPr lang="en-US" sz="1200" dirty="0"/>
-              <a:t>.</a:t>
-            </a:r>
             <a:endParaRPr sz="1200" dirty="0"/>
           </a:p>
         </p:txBody>
@@ -10097,10 +12505,10 @@
       </p:sp>
       <p:pic>
         <p:nvPicPr>
-          <p:cNvPr id="12" name="Picture 11">
+          <p:cNvPr id="3" name="Picture 2">
             <a:extLst>
               <a:ext uri="{FF2B5EF4-FFF2-40B4-BE49-F238E27FC236}">
-                <a16:creationId xmlns:a16="http://schemas.microsoft.com/office/drawing/2014/main" id="{5A9FC707-B00D-4BAF-898B-E44E4AA931F0}"/>
+                <a16:creationId xmlns:a16="http://schemas.microsoft.com/office/drawing/2014/main" id="{D83728B1-DA63-4D47-9EF3-06817679D2ED}"/>
               </a:ext>
             </a:extLst>
           </p:cNvPr>
@@ -10111,19 +12519,72 @@
         </p:nvPicPr>
         <p:blipFill rotWithShape="1">
           <a:blip r:embed="rId3"/>
-          <a:srcRect l="8334" t="9023" r="41363" b="11920"/>
+          <a:srcRect l="7197" t="2694" r="53869" b="59865"/>
           <a:stretch/>
         </p:blipFill>
         <p:spPr>
           <a:xfrm>
-            <a:off x="1165474" y="243681"/>
-            <a:ext cx="5249181" cy="4640467"/>
+            <a:off x="1109447" y="381001"/>
+            <a:ext cx="6287856" cy="3401290"/>
           </a:xfrm>
           <a:prstGeom prst="rect">
             <a:avLst/>
           </a:prstGeom>
         </p:spPr>
       </p:pic>
+      <p:sp>
+        <p:nvSpPr>
+          <p:cNvPr id="7" name="TextBox 6">
+            <a:extLst>
+              <a:ext uri="{FF2B5EF4-FFF2-40B4-BE49-F238E27FC236}">
+                <a16:creationId xmlns:a16="http://schemas.microsoft.com/office/drawing/2014/main" id="{A2EE0219-5914-465F-87A6-1536DE02CB81}"/>
+              </a:ext>
+            </a:extLst>
+          </p:cNvPr>
+          <p:cNvSpPr txBox="1"/>
+          <p:nvPr/>
+        </p:nvSpPr>
+        <p:spPr>
+          <a:xfrm>
+            <a:off x="7451389" y="364182"/>
+            <a:ext cx="1570154" cy="3941720"/>
+          </a:xfrm>
+          <a:prstGeom prst="rect">
+            <a:avLst/>
+          </a:prstGeom>
+          <a:noFill/>
+        </p:spPr>
+        <p:txBody>
+          <a:bodyPr wrap="square">
+            <a:spAutoFit/>
+          </a:bodyPr>
+          <a:lstStyle/>
+          <a:p>
+            <a:pPr marL="0" lvl="0" indent="0" algn="l" rtl="0">
+              <a:lnSpc>
+                <a:spcPct val="150000"/>
+              </a:lnSpc>
+              <a:spcBef>
+                <a:spcPts val="600"/>
+              </a:spcBef>
+              <a:spcAft>
+                <a:spcPts val="0"/>
+              </a:spcAft>
+              <a:buNone/>
+            </a:pPr>
+            <a:r>
+              <a:rPr lang="en-US" sz="1200" i="1" dirty="0">
+                <a:solidFill>
+                  <a:schemeClr val="bg1"/>
+                </a:solidFill>
+                <a:latin typeface="Calibri" panose="020F0502020204030204" pitchFamily="34" charset="0"/>
+                <a:cs typeface="Calibri" panose="020F0502020204030204" pitchFamily="34" charset="0"/>
+              </a:rPr>
+              <a:t>If the user’s choice is 3, the program will ask to enter information about the employee, salary, and hire date, and after it will display the bonus (which will be calculated based upon the hire date) and total salary of the employee. Then, the program will offer to add employee yet. </a:t>
+            </a:r>
+          </a:p>
+        </p:txBody>
+      </p:sp>
     </p:spTree>
     <p:extLst>
       <p:ext uri="{BB962C8B-B14F-4D97-AF65-F5344CB8AC3E}">
@@ -10142,7 +12603,7 @@
   <p:cSld>
     <p:spTree>
       <p:nvGrpSpPr>
-        <p:cNvPr id="1" name="Shape 93"/>
+        <p:cNvPr id="1" name="Shape 127"/>
         <p:cNvGrpSpPr/>
         <p:nvPr/>
       </p:nvGrpSpPr>
@@ -10156,65 +12617,7 @@
       </p:grpSpPr>
       <p:sp>
         <p:nvSpPr>
-          <p:cNvPr id="96" name="Google Shape;96;p15"/>
-          <p:cNvSpPr txBox="1"/>
-          <p:nvPr/>
-        </p:nvSpPr>
-        <p:spPr>
-          <a:xfrm>
-            <a:off x="526358" y="2279925"/>
-            <a:ext cx="802500" cy="589800"/>
-          </a:xfrm>
-          <a:prstGeom prst="rect">
-            <a:avLst/>
-          </a:prstGeom>
-          <a:noFill/>
-          <a:ln>
-            <a:noFill/>
-          </a:ln>
-        </p:spPr>
-        <p:txBody>
-          <a:bodyPr spcFirstLastPara="1" wrap="square" lIns="91425" tIns="91425" rIns="91425" bIns="91425" anchor="ctr" anchorCtr="0">
-            <a:noAutofit/>
-          </a:bodyPr>
-          <a:lstStyle/>
-          <a:p>
-            <a:pPr marL="0" lvl="0" indent="0" algn="ctr" rtl="0">
-              <a:spcBef>
-                <a:spcPts val="0"/>
-              </a:spcBef>
-              <a:spcAft>
-                <a:spcPts val="0"/>
-              </a:spcAft>
-              <a:buNone/>
-            </a:pPr>
-            <a:r>
-              <a:rPr lang="en-US" sz="3000" dirty="0">
-                <a:solidFill>
-                  <a:srgbClr val="2E3037"/>
-                </a:solidFill>
-                <a:latin typeface="Quicksand"/>
-                <a:ea typeface="Quicksand"/>
-                <a:cs typeface="Quicksand"/>
-                <a:sym typeface="Quicksand"/>
-              </a:rPr>
-              <a:t>3</a:t>
-            </a:r>
-            <a:endParaRPr sz="3000" dirty="0">
-              <a:solidFill>
-                <a:srgbClr val="2E3037"/>
-              </a:solidFill>
-              <a:latin typeface="Quicksand"/>
-              <a:ea typeface="Quicksand"/>
-              <a:cs typeface="Quicksand"/>
-              <a:sym typeface="Quicksand"/>
-            </a:endParaRPr>
-          </a:p>
-        </p:txBody>
-      </p:sp>
-      <p:sp>
-        <p:nvSpPr>
-          <p:cNvPr id="97" name="Google Shape;97;p15"/>
+          <p:cNvPr id="131" name="Google Shape;131;p19"/>
           <p:cNvSpPr txBox="1">
             <a:spLocks noGrp="1"/>
           </p:cNvSpPr>
@@ -10254,53 +12657,41 @@
           </a:p>
         </p:txBody>
       </p:sp>
-      <p:sp>
-        <p:nvSpPr>
-          <p:cNvPr id="3" name="Title 2">
+      <p:pic>
+        <p:nvPicPr>
+          <p:cNvPr id="4" name="Picture 3">
             <a:extLst>
               <a:ext uri="{FF2B5EF4-FFF2-40B4-BE49-F238E27FC236}">
-                <a16:creationId xmlns:a16="http://schemas.microsoft.com/office/drawing/2014/main" id="{E20278D8-31AA-43C8-A2B8-E0D6C1FC5C72}"/>
+                <a16:creationId xmlns:a16="http://schemas.microsoft.com/office/drawing/2014/main" id="{88332A40-A216-4522-92A4-A0022AAC9EE1}"/>
               </a:ext>
             </a:extLst>
           </p:cNvPr>
-          <p:cNvSpPr>
-            <a:spLocks noGrp="1"/>
-          </p:cNvSpPr>
-          <p:nvPr>
-            <p:ph type="ctrTitle"/>
-          </p:nvPr>
-        </p:nvSpPr>
+          <p:cNvPicPr>
+            <a:picLocks noChangeAspect="1"/>
+          </p:cNvPicPr>
+          <p:nvPr/>
+        </p:nvPicPr>
+        <p:blipFill rotWithShape="1">
+          <a:blip r:embed="rId3"/>
+          <a:srcRect l="7197" t="39731" r="61526" b="14683"/>
+          <a:stretch/>
+        </p:blipFill>
         <p:spPr>
           <a:xfrm>
-            <a:off x="1523500" y="4074666"/>
-            <a:ext cx="6767100" cy="677465"/>
+            <a:off x="1191746" y="437135"/>
+            <a:ext cx="5263345" cy="4314996"/>
           </a:xfrm>
+          <a:prstGeom prst="rect">
+            <a:avLst/>
+          </a:prstGeom>
         </p:spPr>
-        <p:txBody>
-          <a:bodyPr/>
-          <a:lstStyle/>
-          <a:p>
-            <a:br>
-              <a:rPr lang="ru-RU" sz="3200" dirty="0">
-                <a:solidFill>
-                  <a:schemeClr val="bg1"/>
-                </a:solidFill>
-                <a:effectLst/>
-                <a:latin typeface="Calibri" panose="020F0502020204030204" pitchFamily="34" charset="0"/>
-                <a:ea typeface="Calibri" panose="020F0502020204030204" pitchFamily="34" charset="0"/>
-                <a:cs typeface="Times New Roman" panose="02020603050405020304" pitchFamily="18" charset="0"/>
-              </a:rPr>
-            </a:br>
-            <a:endParaRPr lang="ru-RU" dirty="0"/>
-          </a:p>
-        </p:txBody>
-      </p:sp>
+      </p:pic>
       <p:sp>
         <p:nvSpPr>
-          <p:cNvPr id="7" name="TextBox 6">
+          <p:cNvPr id="5" name="TextBox 4">
             <a:extLst>
               <a:ext uri="{FF2B5EF4-FFF2-40B4-BE49-F238E27FC236}">
-                <a16:creationId xmlns:a16="http://schemas.microsoft.com/office/drawing/2014/main" id="{D2D0DD6B-1965-491C-BAC3-66877E81121B}"/>
+                <a16:creationId xmlns:a16="http://schemas.microsoft.com/office/drawing/2014/main" id="{7F5A271E-F432-443B-9A27-FA3A5487C74D}"/>
               </a:ext>
             </a:extLst>
           </p:cNvPr>
@@ -10308,9 +12699,9 @@
           <p:nvPr/>
         </p:nvSpPr>
         <p:spPr>
-          <a:xfrm rot="16200000">
-            <a:off x="-1561317" y="2310140"/>
-            <a:ext cx="3875059" cy="523220"/>
+          <a:xfrm>
+            <a:off x="6594763" y="1708884"/>
+            <a:ext cx="2092067" cy="2556726"/>
           </a:xfrm>
           <a:prstGeom prst="rect">
             <a:avLst/>
@@ -10323,52 +12714,10 @@
           </a:bodyPr>
           <a:lstStyle/>
           <a:p>
-            <a:pPr>
-              <a:spcBef>
-                <a:spcPts val="600"/>
-              </a:spcBef>
-            </a:pPr>
-            <a:r>
-              <a:rPr lang="en-US" sz="2800" b="1" dirty="0">
-                <a:solidFill>
-                  <a:schemeClr val="accent1"/>
-                </a:solidFill>
-                <a:latin typeface="+mj-lt"/>
-              </a:rPr>
-              <a:t>Decorator     Pattern </a:t>
-            </a:r>
-          </a:p>
-        </p:txBody>
-      </p:sp>
-      <p:sp>
-        <p:nvSpPr>
-          <p:cNvPr id="8" name="TextBox 7">
-            <a:extLst>
-              <a:ext uri="{FF2B5EF4-FFF2-40B4-BE49-F238E27FC236}">
-                <a16:creationId xmlns:a16="http://schemas.microsoft.com/office/drawing/2014/main" id="{26186330-1F6D-44F0-9C6E-3EEB5636B1F9}"/>
-              </a:ext>
-            </a:extLst>
-          </p:cNvPr>
-          <p:cNvSpPr txBox="1"/>
-          <p:nvPr/>
-        </p:nvSpPr>
-        <p:spPr>
-          <a:xfrm>
-            <a:off x="1001351" y="175233"/>
-            <a:ext cx="2277290" cy="2231380"/>
-          </a:xfrm>
-          <a:prstGeom prst="rect">
-            <a:avLst/>
-          </a:prstGeom>
-          <a:noFill/>
-        </p:spPr>
-        <p:txBody>
-          <a:bodyPr wrap="square">
-            <a:spAutoFit/>
-          </a:bodyPr>
-          <a:lstStyle/>
-          <a:p>
             <a:pPr marL="0" lvl="0" indent="0" algn="l" rtl="0">
+              <a:lnSpc>
+                <a:spcPct val="150000"/>
+              </a:lnSpc>
               <a:spcBef>
                 <a:spcPts val="600"/>
               </a:spcBef>
@@ -10385,61 +12734,28 @@
                 <a:latin typeface="Calibri" panose="020F0502020204030204" pitchFamily="34" charset="0"/>
                 <a:cs typeface="Calibri" panose="020F0502020204030204" pitchFamily="34" charset="0"/>
               </a:rPr>
-              <a:t>This pattern is used to calculate average mark of a student in one course. </a:t>
+              <a:t>After adding employees it will display the list of employees with total salary(we used </a:t>
             </a:r>
-          </a:p>
-          <a:p>
-            <a:pPr marL="0" lvl="0" indent="0" algn="l" rtl="0">
-              <a:spcBef>
-                <a:spcPts val="600"/>
-              </a:spcBef>
-              <a:spcAft>
-                <a:spcPts val="0"/>
-              </a:spcAft>
-              <a:buNone/>
-            </a:pPr>
             <a:r>
-              <a:rPr lang="en-US" sz="1200" i="1" dirty="0">
-                <a:solidFill>
-                  <a:schemeClr val="bg1"/>
+              <a:rPr lang="en-US" sz="1200" b="1" i="1" dirty="0">
+                <a:solidFill>
+                  <a:schemeClr val="accent1"/>
                 </a:solidFill>
                 <a:latin typeface="Calibri" panose="020F0502020204030204" pitchFamily="34" charset="0"/>
                 <a:cs typeface="Calibri" panose="020F0502020204030204" pitchFamily="34" charset="0"/>
               </a:rPr>
-              <a:t>It includes various classes and an Interface.</a:t>
+              <a:t>Dictionary</a:t>
             </a:r>
-          </a:p>
-          <a:p>
-            <a:pPr marL="0" lvl="0" indent="0" algn="l" rtl="0">
-              <a:spcBef>
-                <a:spcPts val="600"/>
-              </a:spcBef>
-              <a:spcAft>
-                <a:spcPts val="0"/>
-              </a:spcAft>
-              <a:buNone/>
-            </a:pPr>
             <a:r>
               <a:rPr lang="en-US" sz="1200" i="1" dirty="0">
                 <a:solidFill>
-                  <a:schemeClr val="bg1"/>
+                  <a:schemeClr val="accent1"/>
                 </a:solidFill>
                 <a:latin typeface="Calibri" panose="020F0502020204030204" pitchFamily="34" charset="0"/>
                 <a:cs typeface="Calibri" panose="020F0502020204030204" pitchFamily="34" charset="0"/>
               </a:rPr>
-              <a:t>This module collects input data from user and calculate average mark.</a:t>
+              <a:t> </a:t>
             </a:r>
-          </a:p>
-          <a:p>
-            <a:pPr marL="0" lvl="0" indent="0" algn="l" rtl="0">
-              <a:spcBef>
-                <a:spcPts val="600"/>
-              </a:spcBef>
-              <a:spcAft>
-                <a:spcPts val="0"/>
-              </a:spcAft>
-              <a:buNone/>
-            </a:pPr>
             <a:r>
               <a:rPr lang="en-US" sz="1200" i="1" dirty="0">
                 <a:solidFill>
@@ -10448,45 +12764,25 @@
                 <a:latin typeface="Calibri" panose="020F0502020204030204" pitchFamily="34" charset="0"/>
                 <a:cs typeface="Calibri" panose="020F0502020204030204" pitchFamily="34" charset="0"/>
               </a:rPr>
-              <a:t>It automatically displays the average mark</a:t>
+              <a:t>in this case), the total salary of all employees, and average salary as well.  For storing salary of each employee we have used the </a:t>
+            </a:r>
+            <a:r>
+              <a:rPr lang="en-US" sz="1200" b="1" i="1" dirty="0">
+                <a:solidFill>
+                  <a:schemeClr val="accent1"/>
+                </a:solidFill>
+                <a:latin typeface="Calibri" panose="020F0502020204030204" pitchFamily="34" charset="0"/>
+                <a:cs typeface="Calibri" panose="020F0502020204030204" pitchFamily="34" charset="0"/>
+              </a:rPr>
+              <a:t>List.</a:t>
             </a:r>
           </a:p>
         </p:txBody>
       </p:sp>
-      <p:pic>
-        <p:nvPicPr>
-          <p:cNvPr id="4" name="Picture 3" descr="Diagram&#10;&#10;Description automatically generated">
-            <a:extLst>
-              <a:ext uri="{FF2B5EF4-FFF2-40B4-BE49-F238E27FC236}">
-                <a16:creationId xmlns:a16="http://schemas.microsoft.com/office/drawing/2014/main" id="{E40BB2D4-4CF5-4B56-B3DA-B1005CE40A4B}"/>
-              </a:ext>
-            </a:extLst>
-          </p:cNvPr>
-          <p:cNvPicPr>
-            <a:picLocks noChangeAspect="1"/>
-          </p:cNvPicPr>
-          <p:nvPr/>
-        </p:nvPicPr>
-        <p:blipFill>
-          <a:blip r:embed="rId3"/>
-          <a:stretch>
-            <a:fillRect/>
-          </a:stretch>
-        </p:blipFill>
-        <p:spPr>
-          <a:xfrm>
-            <a:off x="3204898" y="-6075"/>
-            <a:ext cx="5939102" cy="5143500"/>
-          </a:xfrm>
-          <a:prstGeom prst="rect">
-            <a:avLst/>
-          </a:prstGeom>
-        </p:spPr>
-      </p:pic>
     </p:spTree>
     <p:extLst>
       <p:ext uri="{BB962C8B-B14F-4D97-AF65-F5344CB8AC3E}">
-        <p14:creationId xmlns:p14="http://schemas.microsoft.com/office/powerpoint/2010/main" val="2212651938"/>
+        <p14:creationId xmlns:p14="http://schemas.microsoft.com/office/powerpoint/2010/main" val="1598547283"/>
       </p:ext>
     </p:extLst>
   </p:cSld>

--- a/ProjectDataStrc.pptx
+++ b/ProjectDataStrc.pptx
@@ -7060,10 +7060,10 @@
       </p:sp>
       <p:pic>
         <p:nvPicPr>
-          <p:cNvPr id="4" name="Picture 3" descr="Diagram&#10;&#10;Description automatically generated">
+          <p:cNvPr id="5" name="Picture 4">
             <a:extLst>
               <a:ext uri="{FF2B5EF4-FFF2-40B4-BE49-F238E27FC236}">
-                <a16:creationId xmlns:a16="http://schemas.microsoft.com/office/drawing/2014/main" id="{E40BB2D4-4CF5-4B56-B3DA-B1005CE40A4B}"/>
+                <a16:creationId xmlns:a16="http://schemas.microsoft.com/office/drawing/2014/main" id="{A33BEE19-4E82-4E42-B548-A2250C472E09}"/>
               </a:ext>
             </a:extLst>
           </p:cNvPr>
@@ -7080,8 +7080,8 @@
         </p:blipFill>
         <p:spPr>
           <a:xfrm>
-            <a:off x="3204898" y="-6075"/>
-            <a:ext cx="5939102" cy="5143500"/>
+            <a:off x="3314449" y="0"/>
+            <a:ext cx="5861828" cy="5143500"/>
           </a:xfrm>
           <a:prstGeom prst="rect">
             <a:avLst/>
